--- a/atCloud - Diseño - Interfaz de Usuario - Traspaleo.pptx
+++ b/atCloud - Diseño - Interfaz de Usuario - Traspaleo.pptx
@@ -9,11 +9,20 @@
     <p:sldId id="264" r:id="rId3"/>
     <p:sldId id="265" r:id="rId4"/>
     <p:sldId id="277" r:id="rId5"/>
-    <p:sldId id="266" r:id="rId6"/>
-    <p:sldId id="274" r:id="rId7"/>
-    <p:sldId id="279" r:id="rId8"/>
-    <p:sldId id="275" r:id="rId9"/>
-    <p:sldId id="276" r:id="rId10"/>
+    <p:sldId id="280" r:id="rId6"/>
+    <p:sldId id="281" r:id="rId7"/>
+    <p:sldId id="266" r:id="rId8"/>
+    <p:sldId id="282" r:id="rId9"/>
+    <p:sldId id="283" r:id="rId10"/>
+    <p:sldId id="284" r:id="rId11"/>
+    <p:sldId id="285" r:id="rId12"/>
+    <p:sldId id="286" r:id="rId13"/>
+    <p:sldId id="287" r:id="rId14"/>
+    <p:sldId id="288" r:id="rId15"/>
+    <p:sldId id="274" r:id="rId16"/>
+    <p:sldId id="279" r:id="rId17"/>
+    <p:sldId id="275" r:id="rId18"/>
+    <p:sldId id="276" r:id="rId19"/>
   </p:sldIdLst>
   <p:sldSz cx="12192000" cy="6858000"/>
   <p:notesSz cx="6858000" cy="9144000"/>
@@ -269,7 +278,7 @@
           <a:p>
             <a:fld id="{DC7435B9-0E12-0B4F-AEAD-4257853CAF9C}" type="datetimeFigureOut">
               <a:rPr lang="es-ES_tradnl" smtClean="0"/>
-              <a:t>05/12/2024</a:t>
+              <a:t>11/12/2024</a:t>
             </a:fld>
             <a:endParaRPr lang="es-ES_tradnl"/>
           </a:p>
@@ -469,7 +478,7 @@
           <a:p>
             <a:fld id="{DC7435B9-0E12-0B4F-AEAD-4257853CAF9C}" type="datetimeFigureOut">
               <a:rPr lang="es-ES_tradnl" smtClean="0"/>
-              <a:t>05/12/2024</a:t>
+              <a:t>11/12/2024</a:t>
             </a:fld>
             <a:endParaRPr lang="es-ES_tradnl"/>
           </a:p>
@@ -679,7 +688,7 @@
           <a:p>
             <a:fld id="{DC7435B9-0E12-0B4F-AEAD-4257853CAF9C}" type="datetimeFigureOut">
               <a:rPr lang="es-ES_tradnl" smtClean="0"/>
-              <a:t>05/12/2024</a:t>
+              <a:t>11/12/2024</a:t>
             </a:fld>
             <a:endParaRPr lang="es-ES_tradnl"/>
           </a:p>
@@ -879,7 +888,7 @@
           <a:p>
             <a:fld id="{DC7435B9-0E12-0B4F-AEAD-4257853CAF9C}" type="datetimeFigureOut">
               <a:rPr lang="es-ES_tradnl" smtClean="0"/>
-              <a:t>05/12/2024</a:t>
+              <a:t>11/12/2024</a:t>
             </a:fld>
             <a:endParaRPr lang="es-ES_tradnl"/>
           </a:p>
@@ -1155,7 +1164,7 @@
           <a:p>
             <a:fld id="{DC7435B9-0E12-0B4F-AEAD-4257853CAF9C}" type="datetimeFigureOut">
               <a:rPr lang="es-ES_tradnl" smtClean="0"/>
-              <a:t>05/12/2024</a:t>
+              <a:t>11/12/2024</a:t>
             </a:fld>
             <a:endParaRPr lang="es-ES_tradnl"/>
           </a:p>
@@ -1423,7 +1432,7 @@
           <a:p>
             <a:fld id="{DC7435B9-0E12-0B4F-AEAD-4257853CAF9C}" type="datetimeFigureOut">
               <a:rPr lang="es-ES_tradnl" smtClean="0"/>
-              <a:t>05/12/2024</a:t>
+              <a:t>11/12/2024</a:t>
             </a:fld>
             <a:endParaRPr lang="es-ES_tradnl"/>
           </a:p>
@@ -1838,7 +1847,7 @@
           <a:p>
             <a:fld id="{DC7435B9-0E12-0B4F-AEAD-4257853CAF9C}" type="datetimeFigureOut">
               <a:rPr lang="es-ES_tradnl" smtClean="0"/>
-              <a:t>05/12/2024</a:t>
+              <a:t>11/12/2024</a:t>
             </a:fld>
             <a:endParaRPr lang="es-ES_tradnl"/>
           </a:p>
@@ -1980,7 +1989,7 @@
           <a:p>
             <a:fld id="{DC7435B9-0E12-0B4F-AEAD-4257853CAF9C}" type="datetimeFigureOut">
               <a:rPr lang="es-ES_tradnl" smtClean="0"/>
-              <a:t>05/12/2024</a:t>
+              <a:t>11/12/2024</a:t>
             </a:fld>
             <a:endParaRPr lang="es-ES_tradnl"/>
           </a:p>
@@ -2093,7 +2102,7 @@
           <a:p>
             <a:fld id="{DC7435B9-0E12-0B4F-AEAD-4257853CAF9C}" type="datetimeFigureOut">
               <a:rPr lang="es-ES_tradnl" smtClean="0"/>
-              <a:t>05/12/2024</a:t>
+              <a:t>11/12/2024</a:t>
             </a:fld>
             <a:endParaRPr lang="es-ES_tradnl"/>
           </a:p>
@@ -2406,7 +2415,7 @@
           <a:p>
             <a:fld id="{DC7435B9-0E12-0B4F-AEAD-4257853CAF9C}" type="datetimeFigureOut">
               <a:rPr lang="es-ES_tradnl" smtClean="0"/>
-              <a:t>05/12/2024</a:t>
+              <a:t>11/12/2024</a:t>
             </a:fld>
             <a:endParaRPr lang="es-ES_tradnl"/>
           </a:p>
@@ -2695,7 +2704,7 @@
           <a:p>
             <a:fld id="{DC7435B9-0E12-0B4F-AEAD-4257853CAF9C}" type="datetimeFigureOut">
               <a:rPr lang="es-ES_tradnl" smtClean="0"/>
-              <a:t>05/12/2024</a:t>
+              <a:t>11/12/2024</a:t>
             </a:fld>
             <a:endParaRPr lang="es-ES_tradnl"/>
           </a:p>
@@ -2938,7 +2947,7 @@
           <a:p>
             <a:fld id="{DC7435B9-0E12-0B4F-AEAD-4257853CAF9C}" type="datetimeFigureOut">
               <a:rPr lang="es-ES_tradnl" smtClean="0"/>
-              <a:t>05/12/2024</a:t>
+              <a:t>11/12/2024</a:t>
             </a:fld>
             <a:endParaRPr lang="es-ES_tradnl"/>
           </a:p>
@@ -3435,7 +3444,7 @@
 </p:sld>
 </file>
 
-<file path=ppt/slides/slide2.xml><?xml version="1.0" encoding="utf-8"?>
+<file path=ppt/slides/slide10.xml><?xml version="1.0" encoding="utf-8"?>
 <p:sld xmlns:a="http://schemas.openxmlformats.org/drawingml/2006/main" xmlns:r="http://schemas.openxmlformats.org/officeDocument/2006/relationships" xmlns:p="http://schemas.openxmlformats.org/presentationml/2006/main">
   <p:cSld>
     <p:spTree>
@@ -3443,7 +3452,7 @@
         <p:cNvPr id="1" name="">
           <a:extLst>
             <a:ext uri="{FF2B5EF4-FFF2-40B4-BE49-F238E27FC236}">
-              <a16:creationId xmlns:a16="http://schemas.microsoft.com/office/drawing/2014/main" id="{63FF43EC-25F1-94CF-004E-9942C164DA5B}"/>
+              <a16:creationId xmlns:a16="http://schemas.microsoft.com/office/drawing/2014/main" id="{D5F38C28-EA02-1A2E-7515-4BE2A070721D}"/>
             </a:ext>
           </a:extLst>
         </p:cNvPr>
@@ -3463,7 +3472,7 @@
           <p:cNvPr id="2" name="Title 1">
             <a:extLst>
               <a:ext uri="{FF2B5EF4-FFF2-40B4-BE49-F238E27FC236}">
-                <a16:creationId xmlns:a16="http://schemas.microsoft.com/office/drawing/2014/main" id="{03FB040C-8D05-0FE4-227E-91FCA6FF1F45}"/>
+                <a16:creationId xmlns:a16="http://schemas.microsoft.com/office/drawing/2014/main" id="{630E89D6-3F2E-4D07-7F4B-1D73C7C7340B}"/>
               </a:ext>
             </a:extLst>
           </p:cNvPr>
@@ -3490,7 +3499,7 @@
             </a:r>
             <a:r>
               <a:rPr lang="es-ES_tradnl" sz="3200" dirty="0"/>
-              <a:t>Valida Bloque Inventario</a:t>
+              <a:t>Fin de Traspaleo</a:t>
             </a:r>
           </a:p>
         </p:txBody>
@@ -3500,7 +3509,7 @@
           <p:cNvPr id="3" name="Content Placeholder 2">
             <a:extLst>
               <a:ext uri="{FF2B5EF4-FFF2-40B4-BE49-F238E27FC236}">
-                <a16:creationId xmlns:a16="http://schemas.microsoft.com/office/drawing/2014/main" id="{335B0621-EF98-5EF1-BC40-88807D45097F}"/>
+                <a16:creationId xmlns:a16="http://schemas.microsoft.com/office/drawing/2014/main" id="{2377B274-2BE8-ADA3-3AD7-76B38ABDA4C2}"/>
               </a:ext>
             </a:extLst>
           </p:cNvPr>
@@ -3513,8 +3522,8 @@
         </p:nvSpPr>
         <p:spPr>
           <a:xfrm>
-            <a:off x="3594539" y="1072053"/>
-            <a:ext cx="8145516" cy="5548590"/>
+            <a:off x="3594538" y="1072053"/>
+            <a:ext cx="8292661" cy="5548590"/>
           </a:xfrm>
         </p:spPr>
         <p:txBody>
@@ -3523,36 +3532,53 @@
           <a:p>
             <a:r>
               <a:rPr lang="es-ES_tradnl" dirty="0"/>
-              <a:t>Muestra el </a:t>
-            </a:r>
-            <a:r>
-              <a:rPr lang="es-ES_tradnl" i="1" dirty="0" err="1"/>
-              <a:t>fragment</a:t>
-            </a:r>
-            <a:r>
-              <a:rPr lang="es-ES_tradnl" dirty="0"/>
-              <a:t> de Confirmar Bloque.</a:t>
-            </a:r>
-          </a:p>
-          <a:p>
-            <a:r>
-              <a:rPr lang="es-ES_tradnl" dirty="0"/>
-              <a:t>Confirma el Bloque de Inventario.</a:t>
-            </a:r>
-          </a:p>
-          <a:p>
-            <a:r>
-              <a:rPr lang="es-ES_tradnl" dirty="0"/>
-              <a:t>Si ya lo confirmo, continua con el siguiente </a:t>
-            </a:r>
-            <a:r>
-              <a:rPr lang="es-ES_tradnl" i="1" dirty="0" err="1"/>
-              <a:t>fragment</a:t>
+              <a:t>Al llegar al Fin del Traspaleo, la información del traspaleo es enviada al </a:t>
+            </a:r>
+            <a:r>
+              <a:rPr lang="es-ES_tradnl" sz="2800" i="1" dirty="0" err="1"/>
+              <a:t>backend</a:t>
             </a:r>
             <a:r>
               <a:rPr lang="es-ES_tradnl" dirty="0"/>
               <a:t>.</a:t>
             </a:r>
+          </a:p>
+          <a:p>
+            <a:r>
+              <a:rPr lang="es-ES_tradnl" dirty="0"/>
+              <a:t>En el </a:t>
+            </a:r>
+            <a:r>
+              <a:rPr lang="es-ES_tradnl" sz="2800" i="1" dirty="0" err="1"/>
+              <a:t>backend</a:t>
+            </a:r>
+            <a:r>
+              <a:rPr lang="es-ES_tradnl" dirty="0"/>
+              <a:t> se realiza el traspaleo de los Bultos y Contenedores del Transporte Origen al Transporte Destino.</a:t>
+            </a:r>
+          </a:p>
+          <a:p>
+            <a:r>
+              <a:rPr lang="es-ES_tradnl" dirty="0"/>
+              <a:t>En el Transporte Origen se coloca el estado ’10’ (liberado) para que el Transporte Origen quede liberado.</a:t>
+            </a:r>
+          </a:p>
+          <a:p>
+            <a:r>
+              <a:rPr lang="es-ES_tradnl" dirty="0"/>
+              <a:t>En el Transporte Destino se coloca el estado ’05’ (estacionando) para indicar que el Transporte Destino puede ser estacionado en alguna de las posiciones del </a:t>
+            </a:r>
+            <a:r>
+              <a:rPr lang="es-ES_tradnl" dirty="0" err="1"/>
+              <a:t>Sorter</a:t>
+            </a:r>
+            <a:r>
+              <a:rPr lang="es-ES_tradnl" dirty="0"/>
+              <a:t>.</a:t>
+            </a:r>
+          </a:p>
+          <a:p>
+            <a:endParaRPr lang="es-ES_tradnl" dirty="0"/>
           </a:p>
         </p:txBody>
       </p:sp>
@@ -3561,7 +3587,7 @@
           <p:cNvPr id="5" name="Picture 4">
             <a:extLst>
               <a:ext uri="{FF2B5EF4-FFF2-40B4-BE49-F238E27FC236}">
-                <a16:creationId xmlns:a16="http://schemas.microsoft.com/office/drawing/2014/main" id="{9CD49418-BFE0-CAB0-01DE-805EC6299D7A}"/>
+                <a16:creationId xmlns:a16="http://schemas.microsoft.com/office/drawing/2014/main" id="{321A4F27-905F-3AAE-92B4-0A746350CFD2}"/>
               </a:ext>
             </a:extLst>
           </p:cNvPr>
@@ -3577,8 +3603,8 @@
         </p:blipFill>
         <p:spPr>
           <a:xfrm>
-            <a:off x="635309" y="1072055"/>
-            <a:ext cx="2699314" cy="5548589"/>
+            <a:off x="635309" y="1446961"/>
+            <a:ext cx="2699310" cy="4798775"/>
           </a:xfrm>
           <a:prstGeom prst="rect">
             <a:avLst/>
@@ -3588,7 +3614,7 @@
     </p:spTree>
     <p:extLst>
       <p:ext uri="{BB962C8B-B14F-4D97-AF65-F5344CB8AC3E}">
-        <p14:creationId xmlns:p14="http://schemas.microsoft.com/office/powerpoint/2010/main" val="3792849837"/>
+        <p14:creationId xmlns:p14="http://schemas.microsoft.com/office/powerpoint/2010/main" val="36481424"/>
       </p:ext>
     </p:extLst>
   </p:cSld>
@@ -3598,7 +3624,7 @@
 </p:sld>
 </file>
 
-<file path=ppt/slides/slide3.xml><?xml version="1.0" encoding="utf-8"?>
+<file path=ppt/slides/slide11.xml><?xml version="1.0" encoding="utf-8"?>
 <p:sld xmlns:a="http://schemas.openxmlformats.org/drawingml/2006/main" xmlns:r="http://schemas.openxmlformats.org/officeDocument/2006/relationships" xmlns:p="http://schemas.openxmlformats.org/presentationml/2006/main">
   <p:cSld>
     <p:spTree>
@@ -3606,7 +3632,7 @@
         <p:cNvPr id="1" name="">
           <a:extLst>
             <a:ext uri="{FF2B5EF4-FFF2-40B4-BE49-F238E27FC236}">
-              <a16:creationId xmlns:a16="http://schemas.microsoft.com/office/drawing/2014/main" id="{F51B98FC-0E2F-847D-9554-F1BD07A89794}"/>
+              <a16:creationId xmlns:a16="http://schemas.microsoft.com/office/drawing/2014/main" id="{F67F2AD2-62D7-2E76-1B02-6EF9E4E95641}"/>
             </a:ext>
           </a:extLst>
         </p:cNvPr>
@@ -3626,7 +3652,7 @@
           <p:cNvPr id="2" name="Title 1">
             <a:extLst>
               <a:ext uri="{FF2B5EF4-FFF2-40B4-BE49-F238E27FC236}">
-                <a16:creationId xmlns:a16="http://schemas.microsoft.com/office/drawing/2014/main" id="{188E47FA-4D08-7767-D8ED-67A93F705D19}"/>
+                <a16:creationId xmlns:a16="http://schemas.microsoft.com/office/drawing/2014/main" id="{9D082F87-A036-43B2-630C-3742817C1D5A}"/>
               </a:ext>
             </a:extLst>
           </p:cNvPr>
@@ -3653,7 +3679,7 @@
             </a:r>
             <a:r>
               <a:rPr lang="es-ES_tradnl" sz="3200" dirty="0"/>
-              <a:t>Abre Transporte</a:t>
+              <a:t>Estacionar Transporte Destino</a:t>
             </a:r>
           </a:p>
         </p:txBody>
@@ -3663,7 +3689,7 @@
           <p:cNvPr id="3" name="Content Placeholder 2">
             <a:extLst>
               <a:ext uri="{FF2B5EF4-FFF2-40B4-BE49-F238E27FC236}">
-                <a16:creationId xmlns:a16="http://schemas.microsoft.com/office/drawing/2014/main" id="{8A7EA704-08E3-2D5C-6D7E-D98D1E364DB4}"/>
+                <a16:creationId xmlns:a16="http://schemas.microsoft.com/office/drawing/2014/main" id="{0D2C7390-0EE7-F562-DB47-20BB9C2CDF5F}"/>
               </a:ext>
             </a:extLst>
           </p:cNvPr>
@@ -3686,87 +3712,34 @@
           <a:p>
             <a:r>
               <a:rPr lang="es-ES_tradnl" dirty="0"/>
-              <a:t>Muestra el </a:t>
-            </a:r>
-            <a:r>
-              <a:rPr lang="es-ES_tradnl" i="1" dirty="0" err="1"/>
-              <a:t>fragment</a:t>
+              <a:t>Cuando el Transporte Destino se llena, es necesario estacionarlo en alguna posición del </a:t>
+            </a:r>
+            <a:r>
+              <a:rPr lang="es-ES_tradnl" dirty="0" err="1"/>
+              <a:t>Sorter</a:t>
             </a:r>
             <a:r>
               <a:rPr lang="es-ES_tradnl" dirty="0"/>
-              <a:t> de Traspaleo.</a:t>
+              <a:t>.</a:t>
             </a:r>
           </a:p>
           <a:p>
             <a:r>
               <a:rPr lang="es-ES_tradnl" dirty="0"/>
-              <a:t>Muestra el </a:t>
-            </a:r>
-            <a:r>
-              <a:rPr lang="es-ES_tradnl" i="1" dirty="0" err="1"/>
-              <a:t>stage</a:t>
-            </a:r>
-            <a:r>
-              <a:rPr lang="es-ES_tradnl" dirty="0"/>
-              <a:t> de Transporte.</a:t>
-            </a:r>
-          </a:p>
-          <a:p>
-            <a:r>
-              <a:rPr lang="es-ES_tradnl" dirty="0"/>
-              <a:t>Si ya está el Transporte abierto muestra los datos del Transporte.</a:t>
-            </a:r>
-          </a:p>
-          <a:p>
-            <a:r>
-              <a:rPr lang="es-ES_tradnl" dirty="0"/>
-              <a:t>Busca el Transporte que debe de Traspalearse y lo abre.</a:t>
-            </a:r>
-          </a:p>
-          <a:p>
-            <a:r>
-              <a:rPr lang="es-ES_tradnl" dirty="0"/>
-              <a:t>En el </a:t>
-            </a:r>
-            <a:r>
-              <a:rPr lang="es-ES_tradnl" sz="2600" i="1" dirty="0" err="1"/>
-              <a:t>backend</a:t>
-            </a:r>
-            <a:r>
-              <a:rPr lang="es-ES_tradnl" dirty="0"/>
-              <a:t> se actualiza el registro de </a:t>
-            </a:r>
-            <a:r>
-              <a:rPr lang="es-ES_tradnl" sz="2400" dirty="0" err="1">
-                <a:latin typeface="Consolas" panose="020B0609020204030204" pitchFamily="49" charset="0"/>
-                <a:cs typeface="Consolas" panose="020B0609020204030204" pitchFamily="49" charset="0"/>
-              </a:rPr>
-              <a:t>TransporteSurtido</a:t>
-            </a:r>
-            <a:r>
-              <a:rPr lang="es-ES_tradnl" dirty="0"/>
-              <a:t>. Se coloca el horario de apertura de </a:t>
-            </a:r>
-            <a:r>
-              <a:rPr lang="es-ES_tradnl" sz="2400" dirty="0" err="1">
-                <a:latin typeface="Consolas" panose="020B0609020204030204" pitchFamily="49" charset="0"/>
-                <a:cs typeface="Consolas" panose="020B0609020204030204" pitchFamily="49" charset="0"/>
-              </a:rPr>
-              <a:t>fechainiciotraspaleo</a:t>
-            </a:r>
-            <a:r>
-              <a:rPr lang="es-ES_tradnl" dirty="0"/>
-              <a:t>. Se coloca el estado de ‘XX’ (traspaleando).</a:t>
-            </a:r>
+              <a:t>Para estacionarlo, se inicia otro ciclo de traspaleo pero en esta ocasión en el Trasporte Origen se escanea el transporte que se va a estacionar.</a:t>
+            </a:r>
+          </a:p>
+          <a:p>
+            <a:endParaRPr lang="es-ES_tradnl" dirty="0"/>
           </a:p>
         </p:txBody>
       </p:sp>
       <p:pic>
         <p:nvPicPr>
-          <p:cNvPr id="6" name="Picture 5">
-            <a:extLst>
-              <a:ext uri="{FF2B5EF4-FFF2-40B4-BE49-F238E27FC236}">
-                <a16:creationId xmlns:a16="http://schemas.microsoft.com/office/drawing/2014/main" id="{5777ED97-9D0D-4CD3-B3E9-EEC80828C513}"/>
+          <p:cNvPr id="5" name="Picture 4">
+            <a:extLst>
+              <a:ext uri="{FF2B5EF4-FFF2-40B4-BE49-F238E27FC236}">
+                <a16:creationId xmlns:a16="http://schemas.microsoft.com/office/drawing/2014/main" id="{B63869E2-DB13-9077-AA71-B6AA588A87C9}"/>
               </a:ext>
             </a:extLst>
           </p:cNvPr>
@@ -3782,8 +3755,8 @@
         </p:blipFill>
         <p:spPr>
           <a:xfrm>
-            <a:off x="635309" y="1072055"/>
-            <a:ext cx="2699313" cy="5548589"/>
+            <a:off x="635309" y="1446962"/>
+            <a:ext cx="2699310" cy="4798773"/>
           </a:xfrm>
           <a:prstGeom prst="rect">
             <a:avLst/>
@@ -3793,7 +3766,7 @@
     </p:spTree>
     <p:extLst>
       <p:ext uri="{BB962C8B-B14F-4D97-AF65-F5344CB8AC3E}">
-        <p14:creationId xmlns:p14="http://schemas.microsoft.com/office/powerpoint/2010/main" val="3172866244"/>
+        <p14:creationId xmlns:p14="http://schemas.microsoft.com/office/powerpoint/2010/main" val="2737484656"/>
       </p:ext>
     </p:extLst>
   </p:cSld>
@@ -3803,7 +3776,7 @@
 </p:sld>
 </file>
 
-<file path=ppt/slides/slide4.xml><?xml version="1.0" encoding="utf-8"?>
+<file path=ppt/slides/slide12.xml><?xml version="1.0" encoding="utf-8"?>
 <p:sld xmlns:a="http://schemas.openxmlformats.org/drawingml/2006/main" xmlns:r="http://schemas.openxmlformats.org/officeDocument/2006/relationships" xmlns:p="http://schemas.openxmlformats.org/presentationml/2006/main">
   <p:cSld>
     <p:spTree>
@@ -3811,7 +3784,7 @@
         <p:cNvPr id="1" name="">
           <a:extLst>
             <a:ext uri="{FF2B5EF4-FFF2-40B4-BE49-F238E27FC236}">
-              <a16:creationId xmlns:a16="http://schemas.microsoft.com/office/drawing/2014/main" id="{3AC9038E-5E25-234F-F873-E0578EE9895F}"/>
+              <a16:creationId xmlns:a16="http://schemas.microsoft.com/office/drawing/2014/main" id="{F9D1CB31-3044-641E-B07A-5EC944132CE7}"/>
             </a:ext>
           </a:extLst>
         </p:cNvPr>
@@ -3831,7 +3804,7 @@
           <p:cNvPr id="2" name="Title 1">
             <a:extLst>
               <a:ext uri="{FF2B5EF4-FFF2-40B4-BE49-F238E27FC236}">
-                <a16:creationId xmlns:a16="http://schemas.microsoft.com/office/drawing/2014/main" id="{2AF8A2AE-2A73-1754-71F7-AF9483F35A75}"/>
+                <a16:creationId xmlns:a16="http://schemas.microsoft.com/office/drawing/2014/main" id="{ACE2DD31-F3A4-146F-A3FF-D6AE7DCC097C}"/>
               </a:ext>
             </a:extLst>
           </p:cNvPr>
@@ -3858,7 +3831,7 @@
             </a:r>
             <a:r>
               <a:rPr lang="es-ES_tradnl" sz="3200" dirty="0"/>
-              <a:t>Cancela Transporte</a:t>
+              <a:t>Estacionar Transporte Destino</a:t>
             </a:r>
           </a:p>
         </p:txBody>
@@ -3868,7 +3841,7 @@
           <p:cNvPr id="3" name="Content Placeholder 2">
             <a:extLst>
               <a:ext uri="{FF2B5EF4-FFF2-40B4-BE49-F238E27FC236}">
-                <a16:creationId xmlns:a16="http://schemas.microsoft.com/office/drawing/2014/main" id="{9B123C47-8E0A-BDD0-E123-6202EA2ECF37}"/>
+                <a16:creationId xmlns:a16="http://schemas.microsoft.com/office/drawing/2014/main" id="{2DCEA433-8DF0-20CA-0784-8E43D548CD54}"/>
               </a:ext>
             </a:extLst>
           </p:cNvPr>
@@ -3891,72 +3864,23 @@
           <a:p>
             <a:r>
               <a:rPr lang="es-ES_tradnl" dirty="0"/>
-              <a:t>Si ya está el Transporte abierto muestra los datos del Transporte.</a:t>
-            </a:r>
-          </a:p>
-          <a:p>
-            <a:r>
-              <a:rPr lang="es-ES_tradnl" dirty="0"/>
-              <a:t>El Transporte se puede cancelar (clic en el botón cancelar).</a:t>
-            </a:r>
-          </a:p>
-          <a:p>
-            <a:r>
-              <a:rPr lang="es-ES_tradnl" dirty="0"/>
-              <a:t>Al cancelar en el </a:t>
-            </a:r>
-            <a:r>
-              <a:rPr lang="es-ES_tradnl" sz="2600" i="1" dirty="0" err="1"/>
-              <a:t>backend</a:t>
-            </a:r>
-            <a:r>
-              <a:rPr lang="es-ES_tradnl" dirty="0"/>
-              <a:t> se coloca el horario de </a:t>
-            </a:r>
-            <a:r>
-              <a:rPr lang="es-ES_tradnl" dirty="0" err="1"/>
-              <a:t>cancelacion</a:t>
-            </a:r>
-            <a:r>
-              <a:rPr lang="es-ES_tradnl" dirty="0"/>
-              <a:t> de traspaleo </a:t>
-            </a:r>
-            <a:r>
-              <a:rPr lang="es-ES_tradnl" sz="2400" dirty="0" err="1">
-                <a:latin typeface="Consolas" panose="020B0609020204030204" pitchFamily="49" charset="0"/>
-                <a:cs typeface="Consolas" panose="020B0609020204030204" pitchFamily="49" charset="0"/>
-              </a:rPr>
-              <a:t>fechacancelaciontraspaleo</a:t>
-            </a:r>
-            <a:r>
-              <a:rPr lang="es-ES_tradnl" dirty="0"/>
-              <a:t>. Y se coloca el estado de ‘XX’ (</a:t>
-            </a:r>
-            <a:r>
-              <a:rPr lang="es-ES_tradnl" dirty="0" err="1"/>
-              <a:t>which</a:t>
-            </a:r>
-            <a:r>
-              <a:rPr lang="es-ES_tradnl" dirty="0"/>
-              <a:t>??) anterior al </a:t>
-            </a:r>
-            <a:r>
-              <a:rPr lang="es-ES_tradnl" dirty="0">
-                <a:highlight>
-                  <a:srgbClr val="FFFF00"/>
-                </a:highlight>
-              </a:rPr>
-              <a:t>Traspaleo (como si el inicio del Traspaleo nunca hubiera ocurrido).</a:t>
-            </a:r>
+              <a:t>Al detectar que se trata de un Transporte con el estado ‘30’ (para traspaleo), se da la opción para estacionar el Transporte.</a:t>
+            </a:r>
+          </a:p>
+          <a:p>
+            <a:endParaRPr lang="es-ES_tradnl" dirty="0"/>
+          </a:p>
+          <a:p>
+            <a:endParaRPr lang="es-ES_tradnl" dirty="0"/>
           </a:p>
         </p:txBody>
       </p:sp>
       <p:pic>
         <p:nvPicPr>
-          <p:cNvPr id="6" name="Picture 5">
-            <a:extLst>
-              <a:ext uri="{FF2B5EF4-FFF2-40B4-BE49-F238E27FC236}">
-                <a16:creationId xmlns:a16="http://schemas.microsoft.com/office/drawing/2014/main" id="{267389B8-A11C-4918-21FC-243EDB4F662B}"/>
+          <p:cNvPr id="5" name="Picture 4">
+            <a:extLst>
+              <a:ext uri="{FF2B5EF4-FFF2-40B4-BE49-F238E27FC236}">
+                <a16:creationId xmlns:a16="http://schemas.microsoft.com/office/drawing/2014/main" id="{2CC9FD8C-B10E-8F94-CFE7-5951104FF25D}"/>
               </a:ext>
             </a:extLst>
           </p:cNvPr>
@@ -3972,8 +3896,8 @@
         </p:blipFill>
         <p:spPr>
           <a:xfrm>
-            <a:off x="635309" y="1072056"/>
-            <a:ext cx="2699312" cy="5548587"/>
+            <a:off x="635309" y="1446962"/>
+            <a:ext cx="2699309" cy="4798773"/>
           </a:xfrm>
           <a:prstGeom prst="rect">
             <a:avLst/>
@@ -3983,7 +3907,7 @@
     </p:spTree>
     <p:extLst>
       <p:ext uri="{BB962C8B-B14F-4D97-AF65-F5344CB8AC3E}">
-        <p14:creationId xmlns:p14="http://schemas.microsoft.com/office/powerpoint/2010/main" val="2021151532"/>
+        <p14:creationId xmlns:p14="http://schemas.microsoft.com/office/powerpoint/2010/main" val="1716780384"/>
       </p:ext>
     </p:extLst>
   </p:cSld>
@@ -3993,7 +3917,7 @@
 </p:sld>
 </file>
 
-<file path=ppt/slides/slide5.xml><?xml version="1.0" encoding="utf-8"?>
+<file path=ppt/slides/slide13.xml><?xml version="1.0" encoding="utf-8"?>
 <p:sld xmlns:a="http://schemas.openxmlformats.org/drawingml/2006/main" xmlns:r="http://schemas.openxmlformats.org/officeDocument/2006/relationships" xmlns:p="http://schemas.openxmlformats.org/presentationml/2006/main">
   <p:cSld>
     <p:spTree>
@@ -4001,7 +3925,7 @@
         <p:cNvPr id="1" name="">
           <a:extLst>
             <a:ext uri="{FF2B5EF4-FFF2-40B4-BE49-F238E27FC236}">
-              <a16:creationId xmlns:a16="http://schemas.microsoft.com/office/drawing/2014/main" id="{6E8D81D4-22FA-6AA5-3AAC-0C3D983C339E}"/>
+              <a16:creationId xmlns:a16="http://schemas.microsoft.com/office/drawing/2014/main" id="{29AAA0F4-925D-5631-70AD-CDD30D96269C}"/>
             </a:ext>
           </a:extLst>
         </p:cNvPr>
@@ -4021,7 +3945,7 @@
           <p:cNvPr id="2" name="Title 1">
             <a:extLst>
               <a:ext uri="{FF2B5EF4-FFF2-40B4-BE49-F238E27FC236}">
-                <a16:creationId xmlns:a16="http://schemas.microsoft.com/office/drawing/2014/main" id="{C2C0CE13-5818-4219-4E22-6E046E54F357}"/>
+                <a16:creationId xmlns:a16="http://schemas.microsoft.com/office/drawing/2014/main" id="{0D3259A9-E037-995B-182A-7DBEF99586BE}"/>
               </a:ext>
             </a:extLst>
           </p:cNvPr>
@@ -4048,7 +3972,7 @@
             </a:r>
             <a:r>
               <a:rPr lang="es-ES_tradnl" sz="3200" dirty="0"/>
-              <a:t>Muestra Contenedores y Bultos</a:t>
+              <a:t>Estacionar Transporte Destino</a:t>
             </a:r>
           </a:p>
         </p:txBody>
@@ -4058,7 +3982,7 @@
           <p:cNvPr id="3" name="Content Placeholder 2">
             <a:extLst>
               <a:ext uri="{FF2B5EF4-FFF2-40B4-BE49-F238E27FC236}">
-                <a16:creationId xmlns:a16="http://schemas.microsoft.com/office/drawing/2014/main" id="{AD0987BA-30D0-E168-C49E-3CCEBD63DE42}"/>
+                <a16:creationId xmlns:a16="http://schemas.microsoft.com/office/drawing/2014/main" id="{8D3D58AA-84F1-5DDD-FF36-BB3102CE6FF7}"/>
               </a:ext>
             </a:extLst>
           </p:cNvPr>
@@ -4076,27 +4000,76 @@
           </a:xfrm>
         </p:spPr>
         <p:txBody>
-          <a:bodyPr/>
+          <a:bodyPr>
+            <a:normAutofit/>
+          </a:bodyPr>
           <a:lstStyle/>
           <a:p>
             <a:r>
               <a:rPr lang="es-ES_tradnl" dirty="0"/>
-              <a:t>Muestra el </a:t>
-            </a:r>
-            <a:r>
-              <a:rPr lang="es-ES_tradnl" i="1" dirty="0" err="1"/>
-              <a:t>stage</a:t>
+              <a:t>Para estacionar el Transporte Destino, se escanea la posición del </a:t>
+            </a:r>
+            <a:r>
+              <a:rPr lang="es-ES_tradnl" dirty="0" err="1"/>
+              <a:t>Sorter</a:t>
             </a:r>
             <a:r>
               <a:rPr lang="es-ES_tradnl" dirty="0"/>
-              <a:t> de Contenedores y Bultos.</a:t>
+              <a:t> en donde se deja el Transporte Destino.</a:t>
             </a:r>
           </a:p>
           <a:p>
             <a:r>
               <a:rPr lang="es-ES_tradnl" dirty="0"/>
-              <a:t>Inicia el Traspaleo de Bultos (o Contenedores)</a:t>
-            </a:r>
+              <a:t>Al final se confirma que el Transporte Destino a sido estacionado.</a:t>
+            </a:r>
+          </a:p>
+          <a:p>
+            <a:r>
+              <a:rPr lang="es-ES_tradnl" dirty="0"/>
+              <a:t>En el </a:t>
+            </a:r>
+            <a:r>
+              <a:rPr lang="es-ES_tradnl" sz="2600" i="1" dirty="0" err="1"/>
+              <a:t>backend</a:t>
+            </a:r>
+            <a:r>
+              <a:rPr lang="es-ES_tradnl" dirty="0"/>
+              <a:t> se actualiza el registro de </a:t>
+            </a:r>
+            <a:r>
+              <a:rPr lang="es-ES_tradnl" sz="2400" dirty="0" err="1">
+                <a:latin typeface="Consolas" panose="020B0609020204030204" pitchFamily="49" charset="0"/>
+                <a:cs typeface="Consolas" panose="020B0609020204030204" pitchFamily="49" charset="0"/>
+              </a:rPr>
+              <a:t>TransporteSurtido</a:t>
+            </a:r>
+            <a:r>
+              <a:rPr lang="es-ES_tradnl" dirty="0"/>
+              <a:t>. Se coloca el horario de estacionado de </a:t>
+            </a:r>
+            <a:r>
+              <a:rPr lang="es-ES_tradnl" sz="2400" dirty="0" err="1">
+                <a:latin typeface="Consolas" panose="020B0609020204030204" pitchFamily="49" charset="0"/>
+                <a:cs typeface="Consolas" panose="020B0609020204030204" pitchFamily="49" charset="0"/>
+              </a:rPr>
+              <a:t>fechaestacionado</a:t>
+            </a:r>
+            <a:r>
+              <a:rPr lang="es-ES_tradnl" dirty="0"/>
+              <a:t>. Se coloca el estado de ‘06’ (</a:t>
+            </a:r>
+            <a:r>
+              <a:rPr lang="es-ES_tradnl" dirty="0" err="1"/>
+              <a:t>sorter</a:t>
+            </a:r>
+            <a:r>
+              <a:rPr lang="es-ES_tradnl" dirty="0"/>
+              <a:t>).</a:t>
+            </a:r>
+          </a:p>
+          <a:p>
+            <a:endParaRPr lang="es-ES_tradnl" dirty="0"/>
           </a:p>
           <a:p>
             <a:endParaRPr lang="es-ES_tradnl" dirty="0"/>
@@ -4108,7 +4081,7 @@
           <p:cNvPr id="5" name="Picture 4">
             <a:extLst>
               <a:ext uri="{FF2B5EF4-FFF2-40B4-BE49-F238E27FC236}">
-                <a16:creationId xmlns:a16="http://schemas.microsoft.com/office/drawing/2014/main" id="{0C574FE5-D616-4414-EA12-F9E46D438360}"/>
+                <a16:creationId xmlns:a16="http://schemas.microsoft.com/office/drawing/2014/main" id="{4BD0AE9D-9093-0EC2-552C-E4E65C0DB2E7}"/>
               </a:ext>
             </a:extLst>
           </p:cNvPr>
@@ -4124,8 +4097,8 @@
         </p:blipFill>
         <p:spPr>
           <a:xfrm>
-            <a:off x="635309" y="1072056"/>
-            <a:ext cx="2699312" cy="5548587"/>
+            <a:off x="635309" y="1446963"/>
+            <a:ext cx="2699309" cy="4798771"/>
           </a:xfrm>
           <a:prstGeom prst="rect">
             <a:avLst/>
@@ -4135,7 +4108,7 @@
     </p:spTree>
     <p:extLst>
       <p:ext uri="{BB962C8B-B14F-4D97-AF65-F5344CB8AC3E}">
-        <p14:creationId xmlns:p14="http://schemas.microsoft.com/office/powerpoint/2010/main" val="554687330"/>
+        <p14:creationId xmlns:p14="http://schemas.microsoft.com/office/powerpoint/2010/main" val="1459319269"/>
       </p:ext>
     </p:extLst>
   </p:cSld>
@@ -4145,7 +4118,159 @@
 </p:sld>
 </file>
 
-<file path=ppt/slides/slide6.xml><?xml version="1.0" encoding="utf-8"?>
+<file path=ppt/slides/slide14.xml><?xml version="1.0" encoding="utf-8"?>
+<p:sld xmlns:a="http://schemas.openxmlformats.org/drawingml/2006/main" xmlns:r="http://schemas.openxmlformats.org/officeDocument/2006/relationships" xmlns:p="http://schemas.openxmlformats.org/presentationml/2006/main">
+  <p:cSld>
+    <p:spTree>
+      <p:nvGrpSpPr>
+        <p:cNvPr id="1" name="">
+          <a:extLst>
+            <a:ext uri="{FF2B5EF4-FFF2-40B4-BE49-F238E27FC236}">
+              <a16:creationId xmlns:a16="http://schemas.microsoft.com/office/drawing/2014/main" id="{14C81EE9-9F93-DADB-4D3C-3701E911427E}"/>
+            </a:ext>
+          </a:extLst>
+        </p:cNvPr>
+        <p:cNvGrpSpPr/>
+        <p:nvPr/>
+      </p:nvGrpSpPr>
+      <p:grpSpPr>
+        <a:xfrm>
+          <a:off x="0" y="0"/>
+          <a:ext cx="0" cy="0"/>
+          <a:chOff x="0" y="0"/>
+          <a:chExt cx="0" cy="0"/>
+        </a:xfrm>
+      </p:grpSpPr>
+      <p:sp>
+        <p:nvSpPr>
+          <p:cNvPr id="2" name="Title 1">
+            <a:extLst>
+              <a:ext uri="{FF2B5EF4-FFF2-40B4-BE49-F238E27FC236}">
+                <a16:creationId xmlns:a16="http://schemas.microsoft.com/office/drawing/2014/main" id="{F26B2B46-E896-902D-8088-3531722B3CC4}"/>
+              </a:ext>
+            </a:extLst>
+          </p:cNvPr>
+          <p:cNvSpPr>
+            <a:spLocks noGrp="1"/>
+          </p:cNvSpPr>
+          <p:nvPr>
+            <p:ph type="title"/>
+          </p:nvPr>
+        </p:nvSpPr>
+        <p:spPr>
+          <a:xfrm>
+            <a:off x="249623" y="123388"/>
+            <a:ext cx="10515600" cy="791013"/>
+          </a:xfrm>
+        </p:spPr>
+        <p:txBody>
+          <a:bodyPr/>
+          <a:lstStyle/>
+          <a:p>
+            <a:r>
+              <a:rPr lang="es-ES_tradnl" dirty="0"/>
+              <a:t>Traspaleo, </a:t>
+            </a:r>
+            <a:r>
+              <a:rPr lang="es-ES_tradnl" sz="3200" dirty="0"/>
+              <a:t>Estacionar Transporte Destino</a:t>
+            </a:r>
+          </a:p>
+        </p:txBody>
+      </p:sp>
+      <p:sp>
+        <p:nvSpPr>
+          <p:cNvPr id="3" name="Content Placeholder 2">
+            <a:extLst>
+              <a:ext uri="{FF2B5EF4-FFF2-40B4-BE49-F238E27FC236}">
+                <a16:creationId xmlns:a16="http://schemas.microsoft.com/office/drawing/2014/main" id="{3D8F2412-03C0-5DAD-EF27-D867BD6886A7}"/>
+              </a:ext>
+            </a:extLst>
+          </p:cNvPr>
+          <p:cNvSpPr>
+            <a:spLocks noGrp="1"/>
+          </p:cNvSpPr>
+          <p:nvPr>
+            <p:ph idx="1"/>
+          </p:nvPr>
+        </p:nvSpPr>
+        <p:spPr>
+          <a:xfrm>
+            <a:off x="3594538" y="1072053"/>
+            <a:ext cx="8292661" cy="5548590"/>
+          </a:xfrm>
+        </p:spPr>
+        <p:txBody>
+          <a:bodyPr/>
+          <a:lstStyle/>
+          <a:p>
+            <a:r>
+              <a:rPr lang="es-ES_tradnl" dirty="0"/>
+              <a:t>Con esto termina el Traspaleo del Transporte Destino.</a:t>
+            </a:r>
+          </a:p>
+          <a:p>
+            <a:r>
+              <a:rPr lang="es-ES_tradnl" dirty="0"/>
+              <a:t>Se puede continuar con otro ciclo </a:t>
+            </a:r>
+            <a:r>
+              <a:rPr lang="es-ES_tradnl"/>
+              <a:t>de Traspaleo.</a:t>
+            </a:r>
+            <a:endParaRPr lang="es-ES_tradnl" dirty="0"/>
+          </a:p>
+          <a:p>
+            <a:endParaRPr lang="es-ES_tradnl" dirty="0"/>
+          </a:p>
+          <a:p>
+            <a:endParaRPr lang="es-ES_tradnl" dirty="0"/>
+          </a:p>
+        </p:txBody>
+      </p:sp>
+      <p:pic>
+        <p:nvPicPr>
+          <p:cNvPr id="5" name="Picture 4">
+            <a:extLst>
+              <a:ext uri="{FF2B5EF4-FFF2-40B4-BE49-F238E27FC236}">
+                <a16:creationId xmlns:a16="http://schemas.microsoft.com/office/drawing/2014/main" id="{6BDA6E21-6A35-E99D-30FA-94EE9A646CC1}"/>
+              </a:ext>
+            </a:extLst>
+          </p:cNvPr>
+          <p:cNvPicPr>
+            <a:picLocks noChangeAspect="1"/>
+          </p:cNvPicPr>
+          <p:nvPr/>
+        </p:nvPicPr>
+        <p:blipFill>
+          <a:blip r:embed="rId2"/>
+          <a:srcRect/>
+          <a:stretch/>
+        </p:blipFill>
+        <p:spPr>
+          <a:xfrm>
+            <a:off x="635309" y="1446963"/>
+            <a:ext cx="2699308" cy="4798771"/>
+          </a:xfrm>
+          <a:prstGeom prst="rect">
+            <a:avLst/>
+          </a:prstGeom>
+        </p:spPr>
+      </p:pic>
+    </p:spTree>
+    <p:extLst>
+      <p:ext uri="{BB962C8B-B14F-4D97-AF65-F5344CB8AC3E}">
+        <p14:creationId xmlns:p14="http://schemas.microsoft.com/office/powerpoint/2010/main" val="3989163152"/>
+      </p:ext>
+    </p:extLst>
+  </p:cSld>
+  <p:clrMapOvr>
+    <a:masterClrMapping/>
+  </p:clrMapOvr>
+</p:sld>
+</file>
+
+<file path=ppt/slides/slide15.xml><?xml version="1.0" encoding="utf-8"?>
 <p:sld xmlns:a="http://schemas.openxmlformats.org/drawingml/2006/main" xmlns:r="http://schemas.openxmlformats.org/officeDocument/2006/relationships" xmlns:p="http://schemas.openxmlformats.org/presentationml/2006/main">
   <p:cSld>
     <p:spTree>
@@ -4175,7 +4300,7 @@
 </p:sld>
 </file>
 
-<file path=ppt/slides/slide7.xml><?xml version="1.0" encoding="utf-8"?>
+<file path=ppt/slides/slide16.xml><?xml version="1.0" encoding="utf-8"?>
 <p:sld xmlns:a="http://schemas.openxmlformats.org/drawingml/2006/main" xmlns:r="http://schemas.openxmlformats.org/officeDocument/2006/relationships" xmlns:p="http://schemas.openxmlformats.org/presentationml/2006/main">
   <p:cSld>
     <p:spTree>
@@ -4211,7 +4336,7 @@
 </p:sld>
 </file>
 
-<file path=ppt/slides/slide8.xml><?xml version="1.0" encoding="utf-8"?>
+<file path=ppt/slides/slide17.xml><?xml version="1.0" encoding="utf-8"?>
 <p:sld xmlns:a="http://schemas.openxmlformats.org/drawingml/2006/main" xmlns:r="http://schemas.openxmlformats.org/officeDocument/2006/relationships" xmlns:p="http://schemas.openxmlformats.org/presentationml/2006/main">
   <p:cSld>
     <p:spTree>
@@ -4596,7 +4721,7 @@
 </p:sld>
 </file>
 
-<file path=ppt/slides/slide9.xml><?xml version="1.0" encoding="utf-8"?>
+<file path=ppt/slides/slide18.xml><?xml version="1.0" encoding="utf-8"?>
 <p:sld xmlns:a="http://schemas.openxmlformats.org/drawingml/2006/main" xmlns:r="http://schemas.openxmlformats.org/officeDocument/2006/relationships" xmlns:p="http://schemas.openxmlformats.org/presentationml/2006/main">
   <p:cSld>
     <p:spTree>
@@ -6058,6 +6183,1350 @@
 </p:sld>
 </file>
 
+<file path=ppt/slides/slide2.xml><?xml version="1.0" encoding="utf-8"?>
+<p:sld xmlns:a="http://schemas.openxmlformats.org/drawingml/2006/main" xmlns:r="http://schemas.openxmlformats.org/officeDocument/2006/relationships" xmlns:p="http://schemas.openxmlformats.org/presentationml/2006/main">
+  <p:cSld>
+    <p:spTree>
+      <p:nvGrpSpPr>
+        <p:cNvPr id="1" name="">
+          <a:extLst>
+            <a:ext uri="{FF2B5EF4-FFF2-40B4-BE49-F238E27FC236}">
+              <a16:creationId xmlns:a16="http://schemas.microsoft.com/office/drawing/2014/main" id="{63FF43EC-25F1-94CF-004E-9942C164DA5B}"/>
+            </a:ext>
+          </a:extLst>
+        </p:cNvPr>
+        <p:cNvGrpSpPr/>
+        <p:nvPr/>
+      </p:nvGrpSpPr>
+      <p:grpSpPr>
+        <a:xfrm>
+          <a:off x="0" y="0"/>
+          <a:ext cx="0" cy="0"/>
+          <a:chOff x="0" y="0"/>
+          <a:chExt cx="0" cy="0"/>
+        </a:xfrm>
+      </p:grpSpPr>
+      <p:sp>
+        <p:nvSpPr>
+          <p:cNvPr id="2" name="Title 1">
+            <a:extLst>
+              <a:ext uri="{FF2B5EF4-FFF2-40B4-BE49-F238E27FC236}">
+                <a16:creationId xmlns:a16="http://schemas.microsoft.com/office/drawing/2014/main" id="{03FB040C-8D05-0FE4-227E-91FCA6FF1F45}"/>
+              </a:ext>
+            </a:extLst>
+          </p:cNvPr>
+          <p:cNvSpPr>
+            <a:spLocks noGrp="1"/>
+          </p:cNvSpPr>
+          <p:nvPr>
+            <p:ph type="title"/>
+          </p:nvPr>
+        </p:nvSpPr>
+        <p:spPr>
+          <a:xfrm>
+            <a:off x="249623" y="123388"/>
+            <a:ext cx="10515600" cy="791013"/>
+          </a:xfrm>
+        </p:spPr>
+        <p:txBody>
+          <a:bodyPr/>
+          <a:lstStyle/>
+          <a:p>
+            <a:r>
+              <a:rPr lang="es-ES_tradnl" dirty="0"/>
+              <a:t>Traspaleo, </a:t>
+            </a:r>
+            <a:r>
+              <a:rPr lang="es-ES_tradnl" sz="3200" dirty="0"/>
+              <a:t>Valida Bloque Inventario</a:t>
+            </a:r>
+          </a:p>
+        </p:txBody>
+      </p:sp>
+      <p:sp>
+        <p:nvSpPr>
+          <p:cNvPr id="3" name="Content Placeholder 2">
+            <a:extLst>
+              <a:ext uri="{FF2B5EF4-FFF2-40B4-BE49-F238E27FC236}">
+                <a16:creationId xmlns:a16="http://schemas.microsoft.com/office/drawing/2014/main" id="{335B0621-EF98-5EF1-BC40-88807D45097F}"/>
+              </a:ext>
+            </a:extLst>
+          </p:cNvPr>
+          <p:cNvSpPr>
+            <a:spLocks noGrp="1"/>
+          </p:cNvSpPr>
+          <p:nvPr>
+            <p:ph idx="1"/>
+          </p:nvPr>
+        </p:nvSpPr>
+        <p:spPr>
+          <a:xfrm>
+            <a:off x="3594539" y="1072053"/>
+            <a:ext cx="8145516" cy="5548590"/>
+          </a:xfrm>
+        </p:spPr>
+        <p:txBody>
+          <a:bodyPr/>
+          <a:lstStyle/>
+          <a:p>
+            <a:r>
+              <a:rPr lang="es-ES_tradnl" dirty="0"/>
+              <a:t>Muestra el </a:t>
+            </a:r>
+            <a:r>
+              <a:rPr lang="es-ES_tradnl" i="1" dirty="0" err="1"/>
+              <a:t>fragment</a:t>
+            </a:r>
+            <a:r>
+              <a:rPr lang="es-ES_tradnl" dirty="0"/>
+              <a:t> de Confirmar Bloque.</a:t>
+            </a:r>
+          </a:p>
+          <a:p>
+            <a:r>
+              <a:rPr lang="es-ES_tradnl" dirty="0"/>
+              <a:t>Confirma el Bloque de Inventario.</a:t>
+            </a:r>
+          </a:p>
+          <a:p>
+            <a:r>
+              <a:rPr lang="es-ES_tradnl" dirty="0"/>
+              <a:t>Si ya lo confirmo, continua con el siguiente </a:t>
+            </a:r>
+            <a:r>
+              <a:rPr lang="es-ES_tradnl" i="1" dirty="0" err="1"/>
+              <a:t>fragment</a:t>
+            </a:r>
+            <a:r>
+              <a:rPr lang="es-ES_tradnl" dirty="0"/>
+              <a:t>.</a:t>
+            </a:r>
+          </a:p>
+        </p:txBody>
+      </p:sp>
+      <p:pic>
+        <p:nvPicPr>
+          <p:cNvPr id="5" name="Picture 4">
+            <a:extLst>
+              <a:ext uri="{FF2B5EF4-FFF2-40B4-BE49-F238E27FC236}">
+                <a16:creationId xmlns:a16="http://schemas.microsoft.com/office/drawing/2014/main" id="{9CD49418-BFE0-CAB0-01DE-805EC6299D7A}"/>
+              </a:ext>
+            </a:extLst>
+          </p:cNvPr>
+          <p:cNvPicPr>
+            <a:picLocks noChangeAspect="1"/>
+          </p:cNvPicPr>
+          <p:nvPr/>
+        </p:nvPicPr>
+        <p:blipFill>
+          <a:blip r:embed="rId2"/>
+          <a:srcRect/>
+          <a:stretch/>
+        </p:blipFill>
+        <p:spPr>
+          <a:xfrm>
+            <a:off x="635309" y="1446959"/>
+            <a:ext cx="2699314" cy="4798780"/>
+          </a:xfrm>
+          <a:prstGeom prst="rect">
+            <a:avLst/>
+          </a:prstGeom>
+        </p:spPr>
+      </p:pic>
+    </p:spTree>
+    <p:extLst>
+      <p:ext uri="{BB962C8B-B14F-4D97-AF65-F5344CB8AC3E}">
+        <p14:creationId xmlns:p14="http://schemas.microsoft.com/office/powerpoint/2010/main" val="3792849837"/>
+      </p:ext>
+    </p:extLst>
+  </p:cSld>
+  <p:clrMapOvr>
+    <a:masterClrMapping/>
+  </p:clrMapOvr>
+</p:sld>
+</file>
+
+<file path=ppt/slides/slide3.xml><?xml version="1.0" encoding="utf-8"?>
+<p:sld xmlns:a="http://schemas.openxmlformats.org/drawingml/2006/main" xmlns:r="http://schemas.openxmlformats.org/officeDocument/2006/relationships" xmlns:p="http://schemas.openxmlformats.org/presentationml/2006/main">
+  <p:cSld>
+    <p:spTree>
+      <p:nvGrpSpPr>
+        <p:cNvPr id="1" name="">
+          <a:extLst>
+            <a:ext uri="{FF2B5EF4-FFF2-40B4-BE49-F238E27FC236}">
+              <a16:creationId xmlns:a16="http://schemas.microsoft.com/office/drawing/2014/main" id="{F51B98FC-0E2F-847D-9554-F1BD07A89794}"/>
+            </a:ext>
+          </a:extLst>
+        </p:cNvPr>
+        <p:cNvGrpSpPr/>
+        <p:nvPr/>
+      </p:nvGrpSpPr>
+      <p:grpSpPr>
+        <a:xfrm>
+          <a:off x="0" y="0"/>
+          <a:ext cx="0" cy="0"/>
+          <a:chOff x="0" y="0"/>
+          <a:chExt cx="0" cy="0"/>
+        </a:xfrm>
+      </p:grpSpPr>
+      <p:sp>
+        <p:nvSpPr>
+          <p:cNvPr id="2" name="Title 1">
+            <a:extLst>
+              <a:ext uri="{FF2B5EF4-FFF2-40B4-BE49-F238E27FC236}">
+                <a16:creationId xmlns:a16="http://schemas.microsoft.com/office/drawing/2014/main" id="{188E47FA-4D08-7767-D8ED-67A93F705D19}"/>
+              </a:ext>
+            </a:extLst>
+          </p:cNvPr>
+          <p:cNvSpPr>
+            <a:spLocks noGrp="1"/>
+          </p:cNvSpPr>
+          <p:nvPr>
+            <p:ph type="title"/>
+          </p:nvPr>
+        </p:nvSpPr>
+        <p:spPr>
+          <a:xfrm>
+            <a:off x="249623" y="123388"/>
+            <a:ext cx="10515600" cy="791013"/>
+          </a:xfrm>
+        </p:spPr>
+        <p:txBody>
+          <a:bodyPr/>
+          <a:lstStyle/>
+          <a:p>
+            <a:r>
+              <a:rPr lang="es-ES_tradnl" dirty="0"/>
+              <a:t>Traspaleo, </a:t>
+            </a:r>
+            <a:r>
+              <a:rPr lang="es-ES_tradnl" sz="3200" dirty="0"/>
+              <a:t>Transporte Origen</a:t>
+            </a:r>
+          </a:p>
+        </p:txBody>
+      </p:sp>
+      <p:sp>
+        <p:nvSpPr>
+          <p:cNvPr id="3" name="Content Placeholder 2">
+            <a:extLst>
+              <a:ext uri="{FF2B5EF4-FFF2-40B4-BE49-F238E27FC236}">
+                <a16:creationId xmlns:a16="http://schemas.microsoft.com/office/drawing/2014/main" id="{8A7EA704-08E3-2D5C-6D7E-D98D1E364DB4}"/>
+              </a:ext>
+            </a:extLst>
+          </p:cNvPr>
+          <p:cNvSpPr>
+            <a:spLocks noGrp="1"/>
+          </p:cNvSpPr>
+          <p:nvPr>
+            <p:ph idx="1"/>
+          </p:nvPr>
+        </p:nvSpPr>
+        <p:spPr>
+          <a:xfrm>
+            <a:off x="3594538" y="1072053"/>
+            <a:ext cx="8292661" cy="5548590"/>
+          </a:xfrm>
+        </p:spPr>
+        <p:txBody>
+          <a:bodyPr/>
+          <a:lstStyle/>
+          <a:p>
+            <a:r>
+              <a:rPr lang="es-ES_tradnl" dirty="0"/>
+              <a:t>Muestra el </a:t>
+            </a:r>
+            <a:r>
+              <a:rPr lang="es-ES_tradnl" i="1" dirty="0" err="1"/>
+              <a:t>fragment</a:t>
+            </a:r>
+            <a:r>
+              <a:rPr lang="es-ES_tradnl" dirty="0"/>
+              <a:t> de Traspaleo.</a:t>
+            </a:r>
+          </a:p>
+          <a:p>
+            <a:r>
+              <a:rPr lang="es-ES_tradnl" dirty="0"/>
+              <a:t>Muestra el </a:t>
+            </a:r>
+            <a:r>
+              <a:rPr lang="es-ES_tradnl" i="1" dirty="0" err="1"/>
+              <a:t>stage</a:t>
+            </a:r>
+            <a:r>
+              <a:rPr lang="es-ES_tradnl" dirty="0"/>
+              <a:t> de Transporte Origen.</a:t>
+            </a:r>
+          </a:p>
+          <a:p>
+            <a:r>
+              <a:rPr lang="es-ES_tradnl" dirty="0"/>
+              <a:t>Si ya está el Transporte Origen abierto, muestra los datos del Transporte.</a:t>
+            </a:r>
+          </a:p>
+          <a:p>
+            <a:r>
+              <a:rPr lang="es-ES_tradnl" dirty="0"/>
+              <a:t>Busca el Transporte que debe de traspalearse y lo abre.</a:t>
+            </a:r>
+          </a:p>
+          <a:p>
+            <a:r>
+              <a:rPr lang="es-ES_tradnl" dirty="0"/>
+              <a:t>En el </a:t>
+            </a:r>
+            <a:r>
+              <a:rPr lang="es-ES_tradnl" sz="2600" i="1" dirty="0" err="1"/>
+              <a:t>backend</a:t>
+            </a:r>
+            <a:r>
+              <a:rPr lang="es-ES_tradnl" dirty="0"/>
+              <a:t> se actualiza el registro de </a:t>
+            </a:r>
+            <a:r>
+              <a:rPr lang="es-ES_tradnl" sz="2400" dirty="0" err="1">
+                <a:latin typeface="Consolas" panose="020B0609020204030204" pitchFamily="49" charset="0"/>
+                <a:cs typeface="Consolas" panose="020B0609020204030204" pitchFamily="49" charset="0"/>
+              </a:rPr>
+              <a:t>TransporteSurtido</a:t>
+            </a:r>
+            <a:r>
+              <a:rPr lang="es-ES_tradnl" dirty="0"/>
+              <a:t>. Se coloca el horario de apertura de </a:t>
+            </a:r>
+            <a:r>
+              <a:rPr lang="es-ES_tradnl" sz="2400" dirty="0" err="1">
+                <a:latin typeface="Consolas" panose="020B0609020204030204" pitchFamily="49" charset="0"/>
+                <a:cs typeface="Consolas" panose="020B0609020204030204" pitchFamily="49" charset="0"/>
+              </a:rPr>
+              <a:t>fechainiciotraspaleo</a:t>
+            </a:r>
+            <a:r>
+              <a:rPr lang="es-ES_tradnl" dirty="0"/>
+              <a:t>. Se coloca el estado de ‘20’ (traspaleando).</a:t>
+            </a:r>
+          </a:p>
+        </p:txBody>
+      </p:sp>
+      <p:pic>
+        <p:nvPicPr>
+          <p:cNvPr id="6" name="Picture 5">
+            <a:extLst>
+              <a:ext uri="{FF2B5EF4-FFF2-40B4-BE49-F238E27FC236}">
+                <a16:creationId xmlns:a16="http://schemas.microsoft.com/office/drawing/2014/main" id="{5777ED97-9D0D-4CD3-B3E9-EEC80828C513}"/>
+              </a:ext>
+            </a:extLst>
+          </p:cNvPr>
+          <p:cNvPicPr>
+            <a:picLocks noChangeAspect="1"/>
+          </p:cNvPicPr>
+          <p:nvPr/>
+        </p:nvPicPr>
+        <p:blipFill>
+          <a:blip r:embed="rId2"/>
+          <a:srcRect/>
+          <a:stretch/>
+        </p:blipFill>
+        <p:spPr>
+          <a:xfrm>
+            <a:off x="635309" y="1446960"/>
+            <a:ext cx="2699313" cy="4798778"/>
+          </a:xfrm>
+          <a:prstGeom prst="rect">
+            <a:avLst/>
+          </a:prstGeom>
+        </p:spPr>
+      </p:pic>
+    </p:spTree>
+    <p:extLst>
+      <p:ext uri="{BB962C8B-B14F-4D97-AF65-F5344CB8AC3E}">
+        <p14:creationId xmlns:p14="http://schemas.microsoft.com/office/powerpoint/2010/main" val="3172866244"/>
+      </p:ext>
+    </p:extLst>
+  </p:cSld>
+  <p:clrMapOvr>
+    <a:masterClrMapping/>
+  </p:clrMapOvr>
+</p:sld>
+</file>
+
+<file path=ppt/slides/slide4.xml><?xml version="1.0" encoding="utf-8"?>
+<p:sld xmlns:a="http://schemas.openxmlformats.org/drawingml/2006/main" xmlns:r="http://schemas.openxmlformats.org/officeDocument/2006/relationships" xmlns:p="http://schemas.openxmlformats.org/presentationml/2006/main">
+  <p:cSld>
+    <p:spTree>
+      <p:nvGrpSpPr>
+        <p:cNvPr id="1" name="">
+          <a:extLst>
+            <a:ext uri="{FF2B5EF4-FFF2-40B4-BE49-F238E27FC236}">
+              <a16:creationId xmlns:a16="http://schemas.microsoft.com/office/drawing/2014/main" id="{3AC9038E-5E25-234F-F873-E0578EE9895F}"/>
+            </a:ext>
+          </a:extLst>
+        </p:cNvPr>
+        <p:cNvGrpSpPr/>
+        <p:nvPr/>
+      </p:nvGrpSpPr>
+      <p:grpSpPr>
+        <a:xfrm>
+          <a:off x="0" y="0"/>
+          <a:ext cx="0" cy="0"/>
+          <a:chOff x="0" y="0"/>
+          <a:chExt cx="0" cy="0"/>
+        </a:xfrm>
+      </p:grpSpPr>
+      <p:sp>
+        <p:nvSpPr>
+          <p:cNvPr id="2" name="Title 1">
+            <a:extLst>
+              <a:ext uri="{FF2B5EF4-FFF2-40B4-BE49-F238E27FC236}">
+                <a16:creationId xmlns:a16="http://schemas.microsoft.com/office/drawing/2014/main" id="{2AF8A2AE-2A73-1754-71F7-AF9483F35A75}"/>
+              </a:ext>
+            </a:extLst>
+          </p:cNvPr>
+          <p:cNvSpPr>
+            <a:spLocks noGrp="1"/>
+          </p:cNvSpPr>
+          <p:nvPr>
+            <p:ph type="title"/>
+          </p:nvPr>
+        </p:nvSpPr>
+        <p:spPr>
+          <a:xfrm>
+            <a:off x="249623" y="123388"/>
+            <a:ext cx="10515600" cy="791013"/>
+          </a:xfrm>
+        </p:spPr>
+        <p:txBody>
+          <a:bodyPr/>
+          <a:lstStyle/>
+          <a:p>
+            <a:r>
+              <a:rPr lang="es-ES_tradnl" dirty="0"/>
+              <a:t>Traspaleo, </a:t>
+            </a:r>
+            <a:r>
+              <a:rPr lang="es-ES_tradnl" sz="3200" dirty="0"/>
+              <a:t>Cancela Transporte</a:t>
+            </a:r>
+          </a:p>
+        </p:txBody>
+      </p:sp>
+      <p:sp>
+        <p:nvSpPr>
+          <p:cNvPr id="3" name="Content Placeholder 2">
+            <a:extLst>
+              <a:ext uri="{FF2B5EF4-FFF2-40B4-BE49-F238E27FC236}">
+                <a16:creationId xmlns:a16="http://schemas.microsoft.com/office/drawing/2014/main" id="{9B123C47-8E0A-BDD0-E123-6202EA2ECF37}"/>
+              </a:ext>
+            </a:extLst>
+          </p:cNvPr>
+          <p:cNvSpPr>
+            <a:spLocks noGrp="1"/>
+          </p:cNvSpPr>
+          <p:nvPr>
+            <p:ph idx="1"/>
+          </p:nvPr>
+        </p:nvSpPr>
+        <p:spPr>
+          <a:xfrm>
+            <a:off x="3594538" y="1072053"/>
+            <a:ext cx="8292661" cy="5548590"/>
+          </a:xfrm>
+        </p:spPr>
+        <p:txBody>
+          <a:bodyPr/>
+          <a:lstStyle/>
+          <a:p>
+            <a:r>
+              <a:rPr lang="es-ES_tradnl" dirty="0"/>
+              <a:t>El Transporte se puede cancelar (clic en el botón cancelar).</a:t>
+            </a:r>
+          </a:p>
+          <a:p>
+            <a:r>
+              <a:rPr lang="es-ES_tradnl" dirty="0"/>
+              <a:t>Al cancelar en el </a:t>
+            </a:r>
+            <a:r>
+              <a:rPr lang="es-ES_tradnl" sz="2600" i="1" dirty="0" err="1"/>
+              <a:t>backend</a:t>
+            </a:r>
+            <a:r>
+              <a:rPr lang="es-ES_tradnl" dirty="0"/>
+              <a:t> se coloca el horario de cancelación de traspaleo </a:t>
+            </a:r>
+            <a:r>
+              <a:rPr lang="es-ES_tradnl" sz="2400" dirty="0" err="1">
+                <a:latin typeface="Consolas" panose="020B0609020204030204" pitchFamily="49" charset="0"/>
+                <a:cs typeface="Consolas" panose="020B0609020204030204" pitchFamily="49" charset="0"/>
+              </a:rPr>
+              <a:t>fechacancelaciontraspaleo</a:t>
+            </a:r>
+            <a:r>
+              <a:rPr lang="es-ES_tradnl" dirty="0"/>
+              <a:t>. Y se regresa el estado de ‘04’ (traspaleo).</a:t>
+            </a:r>
+            <a:endParaRPr lang="es-ES_tradnl" dirty="0">
+              <a:highlight>
+                <a:srgbClr val="FFFF00"/>
+              </a:highlight>
+            </a:endParaRPr>
+          </a:p>
+        </p:txBody>
+      </p:sp>
+      <p:pic>
+        <p:nvPicPr>
+          <p:cNvPr id="6" name="Picture 5">
+            <a:extLst>
+              <a:ext uri="{FF2B5EF4-FFF2-40B4-BE49-F238E27FC236}">
+                <a16:creationId xmlns:a16="http://schemas.microsoft.com/office/drawing/2014/main" id="{267389B8-A11C-4918-21FC-243EDB4F662B}"/>
+              </a:ext>
+            </a:extLst>
+          </p:cNvPr>
+          <p:cNvPicPr>
+            <a:picLocks noChangeAspect="1"/>
+          </p:cNvPicPr>
+          <p:nvPr/>
+        </p:nvPicPr>
+        <p:blipFill>
+          <a:blip r:embed="rId2"/>
+          <a:srcRect/>
+          <a:stretch/>
+        </p:blipFill>
+        <p:spPr>
+          <a:xfrm>
+            <a:off x="635309" y="1446961"/>
+            <a:ext cx="2699312" cy="4798776"/>
+          </a:xfrm>
+          <a:prstGeom prst="rect">
+            <a:avLst/>
+          </a:prstGeom>
+        </p:spPr>
+      </p:pic>
+    </p:spTree>
+    <p:extLst>
+      <p:ext uri="{BB962C8B-B14F-4D97-AF65-F5344CB8AC3E}">
+        <p14:creationId xmlns:p14="http://schemas.microsoft.com/office/powerpoint/2010/main" val="2021151532"/>
+      </p:ext>
+    </p:extLst>
+  </p:cSld>
+  <p:clrMapOvr>
+    <a:masterClrMapping/>
+  </p:clrMapOvr>
+</p:sld>
+</file>
+
+<file path=ppt/slides/slide5.xml><?xml version="1.0" encoding="utf-8"?>
+<p:sld xmlns:a="http://schemas.openxmlformats.org/drawingml/2006/main" xmlns:r="http://schemas.openxmlformats.org/officeDocument/2006/relationships" xmlns:p="http://schemas.openxmlformats.org/presentationml/2006/main">
+  <p:cSld>
+    <p:spTree>
+      <p:nvGrpSpPr>
+        <p:cNvPr id="1" name="">
+          <a:extLst>
+            <a:ext uri="{FF2B5EF4-FFF2-40B4-BE49-F238E27FC236}">
+              <a16:creationId xmlns:a16="http://schemas.microsoft.com/office/drawing/2014/main" id="{3DD13971-01D1-C4BA-B5B9-A0BB87D55772}"/>
+            </a:ext>
+          </a:extLst>
+        </p:cNvPr>
+        <p:cNvGrpSpPr/>
+        <p:nvPr/>
+      </p:nvGrpSpPr>
+      <p:grpSpPr>
+        <a:xfrm>
+          <a:off x="0" y="0"/>
+          <a:ext cx="0" cy="0"/>
+          <a:chOff x="0" y="0"/>
+          <a:chExt cx="0" cy="0"/>
+        </a:xfrm>
+      </p:grpSpPr>
+      <p:sp>
+        <p:nvSpPr>
+          <p:cNvPr id="2" name="Title 1">
+            <a:extLst>
+              <a:ext uri="{FF2B5EF4-FFF2-40B4-BE49-F238E27FC236}">
+                <a16:creationId xmlns:a16="http://schemas.microsoft.com/office/drawing/2014/main" id="{E1DF0A95-AE8B-2BCF-13F2-21460A52E9B2}"/>
+              </a:ext>
+            </a:extLst>
+          </p:cNvPr>
+          <p:cNvSpPr>
+            <a:spLocks noGrp="1"/>
+          </p:cNvSpPr>
+          <p:nvPr>
+            <p:ph type="title"/>
+          </p:nvPr>
+        </p:nvSpPr>
+        <p:spPr>
+          <a:xfrm>
+            <a:off x="249623" y="123388"/>
+            <a:ext cx="10515600" cy="791013"/>
+          </a:xfrm>
+        </p:spPr>
+        <p:txBody>
+          <a:bodyPr/>
+          <a:lstStyle/>
+          <a:p>
+            <a:r>
+              <a:rPr lang="es-ES_tradnl" dirty="0"/>
+              <a:t>Traspaleo, </a:t>
+            </a:r>
+            <a:r>
+              <a:rPr lang="es-ES_tradnl" sz="3200" dirty="0"/>
+              <a:t>Transporte Destino</a:t>
+            </a:r>
+          </a:p>
+        </p:txBody>
+      </p:sp>
+      <p:sp>
+        <p:nvSpPr>
+          <p:cNvPr id="3" name="Content Placeholder 2">
+            <a:extLst>
+              <a:ext uri="{FF2B5EF4-FFF2-40B4-BE49-F238E27FC236}">
+                <a16:creationId xmlns:a16="http://schemas.microsoft.com/office/drawing/2014/main" id="{0F3DDA5C-4031-16A9-C8B2-5E9D7FFAF05B}"/>
+              </a:ext>
+            </a:extLst>
+          </p:cNvPr>
+          <p:cNvSpPr>
+            <a:spLocks noGrp="1"/>
+          </p:cNvSpPr>
+          <p:nvPr>
+            <p:ph idx="1"/>
+          </p:nvPr>
+        </p:nvSpPr>
+        <p:spPr>
+          <a:xfrm>
+            <a:off x="3594538" y="1072053"/>
+            <a:ext cx="8292661" cy="5548590"/>
+          </a:xfrm>
+        </p:spPr>
+        <p:txBody>
+          <a:bodyPr/>
+          <a:lstStyle/>
+          <a:p>
+            <a:r>
+              <a:rPr lang="es-ES_tradnl" dirty="0"/>
+              <a:t>Muestra el </a:t>
+            </a:r>
+            <a:r>
+              <a:rPr lang="es-ES_tradnl" i="1" dirty="0" err="1"/>
+              <a:t>stage</a:t>
+            </a:r>
+            <a:r>
+              <a:rPr lang="es-ES_tradnl" dirty="0"/>
+              <a:t> de Transporte Destino.</a:t>
+            </a:r>
+          </a:p>
+          <a:p>
+            <a:r>
+              <a:rPr lang="es-ES_tradnl" dirty="0"/>
+              <a:t>Si ya está el Transporte Destino abierto muestra los datos del Transporte.</a:t>
+            </a:r>
+          </a:p>
+          <a:p>
+            <a:r>
+              <a:rPr lang="es-ES_tradnl" dirty="0"/>
+              <a:t>Busca el Transporte a donde se va a Traspalear y lo abre.</a:t>
+            </a:r>
+          </a:p>
+          <a:p>
+            <a:r>
+              <a:rPr lang="es-ES_tradnl" dirty="0"/>
+              <a:t>En el </a:t>
+            </a:r>
+            <a:r>
+              <a:rPr lang="es-ES_tradnl" sz="2600" i="1" dirty="0" err="1"/>
+              <a:t>backend</a:t>
+            </a:r>
+            <a:r>
+              <a:rPr lang="es-ES_tradnl" dirty="0"/>
+              <a:t> se actualiza el registro de </a:t>
+            </a:r>
+            <a:r>
+              <a:rPr lang="es-ES_tradnl" sz="2400" dirty="0" err="1">
+                <a:latin typeface="Consolas" panose="020B0609020204030204" pitchFamily="49" charset="0"/>
+                <a:cs typeface="Consolas" panose="020B0609020204030204" pitchFamily="49" charset="0"/>
+              </a:rPr>
+              <a:t>TransporteSurtido</a:t>
+            </a:r>
+            <a:r>
+              <a:rPr lang="es-ES_tradnl" dirty="0"/>
+              <a:t>. Se coloca el estado de ‘30’ (para traspaleo).</a:t>
+            </a:r>
+          </a:p>
+          <a:p>
+            <a:endParaRPr lang="es-ES_tradnl" dirty="0"/>
+          </a:p>
+        </p:txBody>
+      </p:sp>
+      <p:pic>
+        <p:nvPicPr>
+          <p:cNvPr id="6" name="Picture 5">
+            <a:extLst>
+              <a:ext uri="{FF2B5EF4-FFF2-40B4-BE49-F238E27FC236}">
+                <a16:creationId xmlns:a16="http://schemas.microsoft.com/office/drawing/2014/main" id="{7D464E43-4F35-98EE-CEDF-8C23EC3E197F}"/>
+              </a:ext>
+            </a:extLst>
+          </p:cNvPr>
+          <p:cNvPicPr>
+            <a:picLocks noChangeAspect="1"/>
+          </p:cNvPicPr>
+          <p:nvPr/>
+        </p:nvPicPr>
+        <p:blipFill>
+          <a:blip r:embed="rId2"/>
+          <a:srcRect/>
+          <a:stretch/>
+        </p:blipFill>
+        <p:spPr>
+          <a:xfrm>
+            <a:off x="635309" y="1446960"/>
+            <a:ext cx="2699312" cy="4798778"/>
+          </a:xfrm>
+          <a:prstGeom prst="rect">
+            <a:avLst/>
+          </a:prstGeom>
+        </p:spPr>
+      </p:pic>
+    </p:spTree>
+    <p:extLst>
+      <p:ext uri="{BB962C8B-B14F-4D97-AF65-F5344CB8AC3E}">
+        <p14:creationId xmlns:p14="http://schemas.microsoft.com/office/powerpoint/2010/main" val="3319764399"/>
+      </p:ext>
+    </p:extLst>
+  </p:cSld>
+  <p:clrMapOvr>
+    <a:masterClrMapping/>
+  </p:clrMapOvr>
+</p:sld>
+</file>
+
+<file path=ppt/slides/slide6.xml><?xml version="1.0" encoding="utf-8"?>
+<p:sld xmlns:a="http://schemas.openxmlformats.org/drawingml/2006/main" xmlns:r="http://schemas.openxmlformats.org/officeDocument/2006/relationships" xmlns:p="http://schemas.openxmlformats.org/presentationml/2006/main">
+  <p:cSld>
+    <p:spTree>
+      <p:nvGrpSpPr>
+        <p:cNvPr id="1" name="">
+          <a:extLst>
+            <a:ext uri="{FF2B5EF4-FFF2-40B4-BE49-F238E27FC236}">
+              <a16:creationId xmlns:a16="http://schemas.microsoft.com/office/drawing/2014/main" id="{801E1F18-90EF-F4AA-0EFA-D4145E26DF38}"/>
+            </a:ext>
+          </a:extLst>
+        </p:cNvPr>
+        <p:cNvGrpSpPr/>
+        <p:nvPr/>
+      </p:nvGrpSpPr>
+      <p:grpSpPr>
+        <a:xfrm>
+          <a:off x="0" y="0"/>
+          <a:ext cx="0" cy="0"/>
+          <a:chOff x="0" y="0"/>
+          <a:chExt cx="0" cy="0"/>
+        </a:xfrm>
+      </p:grpSpPr>
+      <p:sp>
+        <p:nvSpPr>
+          <p:cNvPr id="2" name="Title 1">
+            <a:extLst>
+              <a:ext uri="{FF2B5EF4-FFF2-40B4-BE49-F238E27FC236}">
+                <a16:creationId xmlns:a16="http://schemas.microsoft.com/office/drawing/2014/main" id="{5598C7B4-95EC-3F18-B971-C39E746CB35E}"/>
+              </a:ext>
+            </a:extLst>
+          </p:cNvPr>
+          <p:cNvSpPr>
+            <a:spLocks noGrp="1"/>
+          </p:cNvSpPr>
+          <p:nvPr>
+            <p:ph type="title"/>
+          </p:nvPr>
+        </p:nvSpPr>
+        <p:spPr>
+          <a:xfrm>
+            <a:off x="249623" y="123388"/>
+            <a:ext cx="10515600" cy="791013"/>
+          </a:xfrm>
+        </p:spPr>
+        <p:txBody>
+          <a:bodyPr/>
+          <a:lstStyle/>
+          <a:p>
+            <a:r>
+              <a:rPr lang="es-ES_tradnl" dirty="0"/>
+              <a:t>Traspaleo, </a:t>
+            </a:r>
+            <a:r>
+              <a:rPr lang="es-ES_tradnl" sz="3200" dirty="0"/>
+              <a:t>Transporte Destino</a:t>
+            </a:r>
+          </a:p>
+        </p:txBody>
+      </p:sp>
+      <p:sp>
+        <p:nvSpPr>
+          <p:cNvPr id="3" name="Content Placeholder 2">
+            <a:extLst>
+              <a:ext uri="{FF2B5EF4-FFF2-40B4-BE49-F238E27FC236}">
+                <a16:creationId xmlns:a16="http://schemas.microsoft.com/office/drawing/2014/main" id="{F4706372-8A53-C67C-1908-77B9769F89B1}"/>
+              </a:ext>
+            </a:extLst>
+          </p:cNvPr>
+          <p:cNvSpPr>
+            <a:spLocks noGrp="1"/>
+          </p:cNvSpPr>
+          <p:nvPr>
+            <p:ph idx="1"/>
+          </p:nvPr>
+        </p:nvSpPr>
+        <p:spPr>
+          <a:xfrm>
+            <a:off x="3594538" y="1072053"/>
+            <a:ext cx="8292661" cy="5548590"/>
+          </a:xfrm>
+        </p:spPr>
+        <p:txBody>
+          <a:bodyPr/>
+          <a:lstStyle/>
+          <a:p>
+            <a:r>
+              <a:rPr lang="es-ES_tradnl" dirty="0"/>
+              <a:t>Se valida que el Transporte Destino a donde se va a Traspalear sea de la misma Ruta del Transporte Origen.</a:t>
+            </a:r>
+          </a:p>
+        </p:txBody>
+      </p:sp>
+      <p:pic>
+        <p:nvPicPr>
+          <p:cNvPr id="6" name="Picture 5">
+            <a:extLst>
+              <a:ext uri="{FF2B5EF4-FFF2-40B4-BE49-F238E27FC236}">
+                <a16:creationId xmlns:a16="http://schemas.microsoft.com/office/drawing/2014/main" id="{D54079C7-F570-8E22-366D-53D212C815C8}"/>
+              </a:ext>
+            </a:extLst>
+          </p:cNvPr>
+          <p:cNvPicPr>
+            <a:picLocks noChangeAspect="1"/>
+          </p:cNvPicPr>
+          <p:nvPr/>
+        </p:nvPicPr>
+        <p:blipFill>
+          <a:blip r:embed="rId2"/>
+          <a:srcRect/>
+          <a:stretch/>
+        </p:blipFill>
+        <p:spPr>
+          <a:xfrm>
+            <a:off x="635309" y="1446961"/>
+            <a:ext cx="2699312" cy="4798776"/>
+          </a:xfrm>
+          <a:prstGeom prst="rect">
+            <a:avLst/>
+          </a:prstGeom>
+        </p:spPr>
+      </p:pic>
+    </p:spTree>
+    <p:extLst>
+      <p:ext uri="{BB962C8B-B14F-4D97-AF65-F5344CB8AC3E}">
+        <p14:creationId xmlns:p14="http://schemas.microsoft.com/office/powerpoint/2010/main" val="2281139097"/>
+      </p:ext>
+    </p:extLst>
+  </p:cSld>
+  <p:clrMapOvr>
+    <a:masterClrMapping/>
+  </p:clrMapOvr>
+</p:sld>
+</file>
+
+<file path=ppt/slides/slide7.xml><?xml version="1.0" encoding="utf-8"?>
+<p:sld xmlns:a="http://schemas.openxmlformats.org/drawingml/2006/main" xmlns:r="http://schemas.openxmlformats.org/officeDocument/2006/relationships" xmlns:p="http://schemas.openxmlformats.org/presentationml/2006/main">
+  <p:cSld>
+    <p:spTree>
+      <p:nvGrpSpPr>
+        <p:cNvPr id="1" name="">
+          <a:extLst>
+            <a:ext uri="{FF2B5EF4-FFF2-40B4-BE49-F238E27FC236}">
+              <a16:creationId xmlns:a16="http://schemas.microsoft.com/office/drawing/2014/main" id="{6E8D81D4-22FA-6AA5-3AAC-0C3D983C339E}"/>
+            </a:ext>
+          </a:extLst>
+        </p:cNvPr>
+        <p:cNvGrpSpPr/>
+        <p:nvPr/>
+      </p:nvGrpSpPr>
+      <p:grpSpPr>
+        <a:xfrm>
+          <a:off x="0" y="0"/>
+          <a:ext cx="0" cy="0"/>
+          <a:chOff x="0" y="0"/>
+          <a:chExt cx="0" cy="0"/>
+        </a:xfrm>
+      </p:grpSpPr>
+      <p:sp>
+        <p:nvSpPr>
+          <p:cNvPr id="2" name="Title 1">
+            <a:extLst>
+              <a:ext uri="{FF2B5EF4-FFF2-40B4-BE49-F238E27FC236}">
+                <a16:creationId xmlns:a16="http://schemas.microsoft.com/office/drawing/2014/main" id="{C2C0CE13-5818-4219-4E22-6E046E54F357}"/>
+              </a:ext>
+            </a:extLst>
+          </p:cNvPr>
+          <p:cNvSpPr>
+            <a:spLocks noGrp="1"/>
+          </p:cNvSpPr>
+          <p:nvPr>
+            <p:ph type="title"/>
+          </p:nvPr>
+        </p:nvSpPr>
+        <p:spPr>
+          <a:xfrm>
+            <a:off x="249623" y="123388"/>
+            <a:ext cx="10515600" cy="791013"/>
+          </a:xfrm>
+        </p:spPr>
+        <p:txBody>
+          <a:bodyPr/>
+          <a:lstStyle/>
+          <a:p>
+            <a:r>
+              <a:rPr lang="es-ES_tradnl" dirty="0"/>
+              <a:t>Traspaleo, </a:t>
+            </a:r>
+            <a:r>
+              <a:rPr lang="es-ES_tradnl" sz="3200" dirty="0"/>
+              <a:t>Contenedores</a:t>
+            </a:r>
+          </a:p>
+        </p:txBody>
+      </p:sp>
+      <p:sp>
+        <p:nvSpPr>
+          <p:cNvPr id="3" name="Content Placeholder 2">
+            <a:extLst>
+              <a:ext uri="{FF2B5EF4-FFF2-40B4-BE49-F238E27FC236}">
+                <a16:creationId xmlns:a16="http://schemas.microsoft.com/office/drawing/2014/main" id="{AD0987BA-30D0-E168-C49E-3CCEBD63DE42}"/>
+              </a:ext>
+            </a:extLst>
+          </p:cNvPr>
+          <p:cNvSpPr>
+            <a:spLocks noGrp="1"/>
+          </p:cNvSpPr>
+          <p:nvPr>
+            <p:ph idx="1"/>
+          </p:nvPr>
+        </p:nvSpPr>
+        <p:spPr>
+          <a:xfrm>
+            <a:off x="3594538" y="1072053"/>
+            <a:ext cx="8292661" cy="5548590"/>
+          </a:xfrm>
+        </p:spPr>
+        <p:txBody>
+          <a:bodyPr/>
+          <a:lstStyle/>
+          <a:p>
+            <a:r>
+              <a:rPr lang="es-ES_tradnl" dirty="0"/>
+              <a:t>Después de confirmar el Trasporte Destino se presentan los Contenedores para traspaleo.</a:t>
+            </a:r>
+          </a:p>
+          <a:p>
+            <a:r>
+              <a:rPr lang="es-ES_tradnl" dirty="0"/>
+              <a:t>Muestra el </a:t>
+            </a:r>
+            <a:r>
+              <a:rPr lang="es-ES_tradnl" i="1" dirty="0" err="1"/>
+              <a:t>stage</a:t>
+            </a:r>
+            <a:r>
+              <a:rPr lang="es-ES_tradnl" dirty="0"/>
+              <a:t> de Contenedores.</a:t>
+            </a:r>
+          </a:p>
+          <a:p>
+            <a:r>
+              <a:rPr lang="es-ES_tradnl" dirty="0"/>
+              <a:t>Se presentan todos los Contenedores del Transporte Origen.</a:t>
+            </a:r>
+          </a:p>
+          <a:p>
+            <a:r>
+              <a:rPr lang="es-ES_tradnl" dirty="0"/>
+              <a:t>Se debe de escanear el código de cada uno de los Contenedores para iniciar el Traspaleo de los Bultos.</a:t>
+            </a:r>
+          </a:p>
+          <a:p>
+            <a:r>
+              <a:rPr lang="es-ES_tradnl" dirty="0"/>
+              <a:t>Este proceso se debe de repetir para todos los Contenedores del Transporte Origen.</a:t>
+            </a:r>
+          </a:p>
+          <a:p>
+            <a:endParaRPr lang="es-ES_tradnl" dirty="0"/>
+          </a:p>
+        </p:txBody>
+      </p:sp>
+      <p:pic>
+        <p:nvPicPr>
+          <p:cNvPr id="5" name="Picture 4">
+            <a:extLst>
+              <a:ext uri="{FF2B5EF4-FFF2-40B4-BE49-F238E27FC236}">
+                <a16:creationId xmlns:a16="http://schemas.microsoft.com/office/drawing/2014/main" id="{0C574FE5-D616-4414-EA12-F9E46D438360}"/>
+              </a:ext>
+            </a:extLst>
+          </p:cNvPr>
+          <p:cNvPicPr>
+            <a:picLocks noChangeAspect="1"/>
+          </p:cNvPicPr>
+          <p:nvPr/>
+        </p:nvPicPr>
+        <p:blipFill>
+          <a:blip r:embed="rId2"/>
+          <a:srcRect/>
+          <a:stretch/>
+        </p:blipFill>
+        <p:spPr>
+          <a:xfrm>
+            <a:off x="635309" y="1446961"/>
+            <a:ext cx="2699312" cy="4798776"/>
+          </a:xfrm>
+          <a:prstGeom prst="rect">
+            <a:avLst/>
+          </a:prstGeom>
+        </p:spPr>
+      </p:pic>
+    </p:spTree>
+    <p:extLst>
+      <p:ext uri="{BB962C8B-B14F-4D97-AF65-F5344CB8AC3E}">
+        <p14:creationId xmlns:p14="http://schemas.microsoft.com/office/powerpoint/2010/main" val="554687330"/>
+      </p:ext>
+    </p:extLst>
+  </p:cSld>
+  <p:clrMapOvr>
+    <a:masterClrMapping/>
+  </p:clrMapOvr>
+</p:sld>
+</file>
+
+<file path=ppt/slides/slide8.xml><?xml version="1.0" encoding="utf-8"?>
+<p:sld xmlns:a="http://schemas.openxmlformats.org/drawingml/2006/main" xmlns:r="http://schemas.openxmlformats.org/officeDocument/2006/relationships" xmlns:p="http://schemas.openxmlformats.org/presentationml/2006/main">
+  <p:cSld>
+    <p:spTree>
+      <p:nvGrpSpPr>
+        <p:cNvPr id="1" name="">
+          <a:extLst>
+            <a:ext uri="{FF2B5EF4-FFF2-40B4-BE49-F238E27FC236}">
+              <a16:creationId xmlns:a16="http://schemas.microsoft.com/office/drawing/2014/main" id="{C3BB6145-9F67-5245-7E10-B8EBB2A08FA6}"/>
+            </a:ext>
+          </a:extLst>
+        </p:cNvPr>
+        <p:cNvGrpSpPr/>
+        <p:nvPr/>
+      </p:nvGrpSpPr>
+      <p:grpSpPr>
+        <a:xfrm>
+          <a:off x="0" y="0"/>
+          <a:ext cx="0" cy="0"/>
+          <a:chOff x="0" y="0"/>
+          <a:chExt cx="0" cy="0"/>
+        </a:xfrm>
+      </p:grpSpPr>
+      <p:sp>
+        <p:nvSpPr>
+          <p:cNvPr id="2" name="Title 1">
+            <a:extLst>
+              <a:ext uri="{FF2B5EF4-FFF2-40B4-BE49-F238E27FC236}">
+                <a16:creationId xmlns:a16="http://schemas.microsoft.com/office/drawing/2014/main" id="{EEB692F7-5083-91AC-0421-7BA0A1F1990F}"/>
+              </a:ext>
+            </a:extLst>
+          </p:cNvPr>
+          <p:cNvSpPr>
+            <a:spLocks noGrp="1"/>
+          </p:cNvSpPr>
+          <p:nvPr>
+            <p:ph type="title"/>
+          </p:nvPr>
+        </p:nvSpPr>
+        <p:spPr>
+          <a:xfrm>
+            <a:off x="249623" y="123388"/>
+            <a:ext cx="10515600" cy="791013"/>
+          </a:xfrm>
+        </p:spPr>
+        <p:txBody>
+          <a:bodyPr/>
+          <a:lstStyle/>
+          <a:p>
+            <a:r>
+              <a:rPr lang="es-ES_tradnl" dirty="0"/>
+              <a:t>Traspaleo, </a:t>
+            </a:r>
+            <a:r>
+              <a:rPr lang="es-ES_tradnl" sz="3200" dirty="0"/>
+              <a:t>Bultos</a:t>
+            </a:r>
+          </a:p>
+        </p:txBody>
+      </p:sp>
+      <p:sp>
+        <p:nvSpPr>
+          <p:cNvPr id="3" name="Content Placeholder 2">
+            <a:extLst>
+              <a:ext uri="{FF2B5EF4-FFF2-40B4-BE49-F238E27FC236}">
+                <a16:creationId xmlns:a16="http://schemas.microsoft.com/office/drawing/2014/main" id="{21409A67-45C2-B00B-9579-AD101BFF8782}"/>
+              </a:ext>
+            </a:extLst>
+          </p:cNvPr>
+          <p:cNvSpPr>
+            <a:spLocks noGrp="1"/>
+          </p:cNvSpPr>
+          <p:nvPr>
+            <p:ph idx="1"/>
+          </p:nvPr>
+        </p:nvSpPr>
+        <p:spPr>
+          <a:xfrm>
+            <a:off x="3594538" y="1072053"/>
+            <a:ext cx="8292661" cy="5548590"/>
+          </a:xfrm>
+        </p:spPr>
+        <p:txBody>
+          <a:bodyPr/>
+          <a:lstStyle/>
+          <a:p>
+            <a:r>
+              <a:rPr lang="es-ES_tradnl" dirty="0"/>
+              <a:t>Muestra el </a:t>
+            </a:r>
+            <a:r>
+              <a:rPr lang="es-ES_tradnl" i="1" dirty="0" err="1"/>
+              <a:t>stage</a:t>
+            </a:r>
+            <a:r>
+              <a:rPr lang="es-ES_tradnl" dirty="0"/>
+              <a:t> de Bultos.</a:t>
+            </a:r>
+          </a:p>
+          <a:p>
+            <a:r>
+              <a:rPr lang="es-ES_tradnl" dirty="0"/>
+              <a:t>Se presentan todos los Bultos del Contenedor seleccionado del Transporte Origen.</a:t>
+            </a:r>
+          </a:p>
+          <a:p>
+            <a:r>
+              <a:rPr lang="es-ES_tradnl" dirty="0"/>
+              <a:t>Se debe de escanear el código QR del Bulto para realizar el Traspaleo del Bultos.</a:t>
+            </a:r>
+          </a:p>
+          <a:p>
+            <a:r>
+              <a:rPr lang="es-ES_tradnl" dirty="0"/>
+              <a:t>Al escanear el código del Bulto se pregunta por el Contenedor del Transporte Destino a donde se esta traspaleando.</a:t>
+            </a:r>
+          </a:p>
+          <a:p>
+            <a:r>
+              <a:rPr lang="es-ES_tradnl" dirty="0"/>
+              <a:t>Este proceso se debe de realizar para todos los Bultos del Contenedor seleccionado para Traspaleo.</a:t>
+            </a:r>
+          </a:p>
+        </p:txBody>
+      </p:sp>
+      <p:pic>
+        <p:nvPicPr>
+          <p:cNvPr id="5" name="Picture 4">
+            <a:extLst>
+              <a:ext uri="{FF2B5EF4-FFF2-40B4-BE49-F238E27FC236}">
+                <a16:creationId xmlns:a16="http://schemas.microsoft.com/office/drawing/2014/main" id="{4051FDEE-571C-BBE3-0799-7ACA811E3871}"/>
+              </a:ext>
+            </a:extLst>
+          </p:cNvPr>
+          <p:cNvPicPr>
+            <a:picLocks noChangeAspect="1"/>
+          </p:cNvPicPr>
+          <p:nvPr/>
+        </p:nvPicPr>
+        <p:blipFill>
+          <a:blip r:embed="rId2"/>
+          <a:srcRect/>
+          <a:stretch/>
+        </p:blipFill>
+        <p:spPr>
+          <a:xfrm>
+            <a:off x="635309" y="1446961"/>
+            <a:ext cx="2699311" cy="4798776"/>
+          </a:xfrm>
+          <a:prstGeom prst="rect">
+            <a:avLst/>
+          </a:prstGeom>
+        </p:spPr>
+      </p:pic>
+    </p:spTree>
+    <p:extLst>
+      <p:ext uri="{BB962C8B-B14F-4D97-AF65-F5344CB8AC3E}">
+        <p14:creationId xmlns:p14="http://schemas.microsoft.com/office/powerpoint/2010/main" val="2493438359"/>
+      </p:ext>
+    </p:extLst>
+  </p:cSld>
+  <p:clrMapOvr>
+    <a:masterClrMapping/>
+  </p:clrMapOvr>
+</p:sld>
+</file>
+
+<file path=ppt/slides/slide9.xml><?xml version="1.0" encoding="utf-8"?>
+<p:sld xmlns:a="http://schemas.openxmlformats.org/drawingml/2006/main" xmlns:r="http://schemas.openxmlformats.org/officeDocument/2006/relationships" xmlns:p="http://schemas.openxmlformats.org/presentationml/2006/main">
+  <p:cSld>
+    <p:spTree>
+      <p:nvGrpSpPr>
+        <p:cNvPr id="1" name="">
+          <a:extLst>
+            <a:ext uri="{FF2B5EF4-FFF2-40B4-BE49-F238E27FC236}">
+              <a16:creationId xmlns:a16="http://schemas.microsoft.com/office/drawing/2014/main" id="{581E64E0-C6D6-051F-555E-BE7E27AB478D}"/>
+            </a:ext>
+          </a:extLst>
+        </p:cNvPr>
+        <p:cNvGrpSpPr/>
+        <p:nvPr/>
+      </p:nvGrpSpPr>
+      <p:grpSpPr>
+        <a:xfrm>
+          <a:off x="0" y="0"/>
+          <a:ext cx="0" cy="0"/>
+          <a:chOff x="0" y="0"/>
+          <a:chExt cx="0" cy="0"/>
+        </a:xfrm>
+      </p:grpSpPr>
+      <p:sp>
+        <p:nvSpPr>
+          <p:cNvPr id="2" name="Title 1">
+            <a:extLst>
+              <a:ext uri="{FF2B5EF4-FFF2-40B4-BE49-F238E27FC236}">
+                <a16:creationId xmlns:a16="http://schemas.microsoft.com/office/drawing/2014/main" id="{C8F7E425-1520-B828-E398-B5E612ACBABF}"/>
+              </a:ext>
+            </a:extLst>
+          </p:cNvPr>
+          <p:cNvSpPr>
+            <a:spLocks noGrp="1"/>
+          </p:cNvSpPr>
+          <p:nvPr>
+            <p:ph type="title"/>
+          </p:nvPr>
+        </p:nvSpPr>
+        <p:spPr>
+          <a:xfrm>
+            <a:off x="249623" y="123388"/>
+            <a:ext cx="10515600" cy="791013"/>
+          </a:xfrm>
+        </p:spPr>
+        <p:txBody>
+          <a:bodyPr/>
+          <a:lstStyle/>
+          <a:p>
+            <a:r>
+              <a:rPr lang="es-ES_tradnl" dirty="0"/>
+              <a:t>Traspaleo, </a:t>
+            </a:r>
+            <a:r>
+              <a:rPr lang="es-ES_tradnl" sz="3200" dirty="0"/>
+              <a:t>Fin de Traspaleo</a:t>
+            </a:r>
+          </a:p>
+        </p:txBody>
+      </p:sp>
+      <p:sp>
+        <p:nvSpPr>
+          <p:cNvPr id="3" name="Content Placeholder 2">
+            <a:extLst>
+              <a:ext uri="{FF2B5EF4-FFF2-40B4-BE49-F238E27FC236}">
+                <a16:creationId xmlns:a16="http://schemas.microsoft.com/office/drawing/2014/main" id="{32118735-B5DE-36E0-B323-D54AB7EBBE46}"/>
+              </a:ext>
+            </a:extLst>
+          </p:cNvPr>
+          <p:cNvSpPr>
+            <a:spLocks noGrp="1"/>
+          </p:cNvSpPr>
+          <p:nvPr>
+            <p:ph idx="1"/>
+          </p:nvPr>
+        </p:nvSpPr>
+        <p:spPr>
+          <a:xfrm>
+            <a:off x="3594538" y="1072053"/>
+            <a:ext cx="8292661" cy="5548590"/>
+          </a:xfrm>
+        </p:spPr>
+        <p:txBody>
+          <a:bodyPr/>
+          <a:lstStyle/>
+          <a:p>
+            <a:r>
+              <a:rPr lang="es-ES_tradnl" dirty="0"/>
+              <a:t>Al escanear el Contenedor del Transporte Destino se realiza el Traspaleo del Bulto.</a:t>
+            </a:r>
+          </a:p>
+          <a:p>
+            <a:r>
+              <a:rPr lang="es-ES_tradnl" dirty="0"/>
+              <a:t>Si es el último Bulto del Contenedor se termina de Traspalear el Contenedor.</a:t>
+            </a:r>
+          </a:p>
+          <a:p>
+            <a:r>
+              <a:rPr lang="es-ES_tradnl" dirty="0"/>
+              <a:t>Al terminar de Traspalear el Contenedor se verifica si todos los Contenedores ya fueron traspaleados.</a:t>
+            </a:r>
+          </a:p>
+          <a:p>
+            <a:r>
+              <a:rPr lang="es-ES_tradnl" dirty="0"/>
+              <a:t>En caso de que todos los Contenedores ya fueron Traspaleados, se llega al fin del Traspaleo.</a:t>
+            </a:r>
+          </a:p>
+          <a:p>
+            <a:endParaRPr lang="es-ES_tradnl" dirty="0"/>
+          </a:p>
+        </p:txBody>
+      </p:sp>
+      <p:pic>
+        <p:nvPicPr>
+          <p:cNvPr id="5" name="Picture 4">
+            <a:extLst>
+              <a:ext uri="{FF2B5EF4-FFF2-40B4-BE49-F238E27FC236}">
+                <a16:creationId xmlns:a16="http://schemas.microsoft.com/office/drawing/2014/main" id="{78AD4CB8-23F9-BFA3-5C53-A20D5105F47F}"/>
+              </a:ext>
+            </a:extLst>
+          </p:cNvPr>
+          <p:cNvPicPr>
+            <a:picLocks noChangeAspect="1"/>
+          </p:cNvPicPr>
+          <p:nvPr/>
+        </p:nvPicPr>
+        <p:blipFill>
+          <a:blip r:embed="rId2"/>
+          <a:srcRect/>
+          <a:stretch/>
+        </p:blipFill>
+        <p:spPr>
+          <a:xfrm>
+            <a:off x="635309" y="1446961"/>
+            <a:ext cx="2699311" cy="4798775"/>
+          </a:xfrm>
+          <a:prstGeom prst="rect">
+            <a:avLst/>
+          </a:prstGeom>
+        </p:spPr>
+      </p:pic>
+    </p:spTree>
+    <p:extLst>
+      <p:ext uri="{BB962C8B-B14F-4D97-AF65-F5344CB8AC3E}">
+        <p14:creationId xmlns:p14="http://schemas.microsoft.com/office/powerpoint/2010/main" val="324448497"/>
+      </p:ext>
+    </p:extLst>
+  </p:cSld>
+  <p:clrMapOvr>
+    <a:masterClrMapping/>
+  </p:clrMapOvr>
+</p:sld>
+</file>
+
 <file path=ppt/theme/theme1.xml><?xml version="1.0" encoding="utf-8"?>
 <a:theme xmlns:a="http://schemas.openxmlformats.org/drawingml/2006/main" name="Office Theme">
   <a:themeElements>
